--- a/Lecture#14/Lecture_14_presentation.pptx
+++ b/Lecture#14/Lecture_14_presentation.pptx
@@ -7,10 +7,10 @@
     <p:sldMasterId id="2147483671" r:id="rId3"/>
   </p:sldMasterIdLst>
   <p:notesMasterIdLst>
-    <p:notesMasterId r:id="rId21"/>
+    <p:notesMasterId r:id="rId22"/>
   </p:notesMasterIdLst>
   <p:handoutMasterIdLst>
-    <p:handoutMasterId r:id="rId22"/>
+    <p:handoutMasterId r:id="rId23"/>
   </p:handoutMasterIdLst>
   <p:sldIdLst>
     <p:sldId id="260" r:id="rId4"/>
@@ -28,8 +28,9 @@
     <p:sldId id="369" r:id="rId16"/>
     <p:sldId id="392" r:id="rId17"/>
     <p:sldId id="374" r:id="rId18"/>
-    <p:sldId id="376" r:id="rId19"/>
-    <p:sldId id="377" r:id="rId20"/>
+    <p:sldId id="402" r:id="rId19"/>
+    <p:sldId id="376" r:id="rId20"/>
+    <p:sldId id="377" r:id="rId21"/>
   </p:sldIdLst>
   <p:sldSz cx="10058400" cy="7772400"/>
   <p:notesSz cx="7315200" cy="9601200"/>
@@ -282,7 +283,7 @@
                 </a:solidFill>
               </a:rPr>
               <a:pPr/>
-              <a:t>3/5/2019</a:t>
+              <a:t>3/7/2019</a:t>
             </a:fld>
             <a:endParaRPr lang="en-US" dirty="0">
               <a:solidFill>
@@ -443,7 +444,7 @@
             <a:fld id="{DBF7D493-8EEB-7E45-916B-5FBC49ABC710}" type="datetimeFigureOut">
               <a:rPr lang="en-US" smtClean="0"/>
               <a:pPr/>
-              <a:t>3/5/2019</a:t>
+              <a:t>3/7/2019</a:t>
             </a:fld>
             <a:endParaRPr lang="en-US" dirty="0"/>
           </a:p>
@@ -10503,6 +10504,66 @@
 </file>
 
 <file path=ppt/slides/slide16.xml><?xml version="1.0" encoding="utf-8"?>
+<p:sld xmlns:a="http://schemas.openxmlformats.org/drawingml/2006/main" xmlns:r="http://schemas.openxmlformats.org/officeDocument/2006/relationships" xmlns:p="http://schemas.openxmlformats.org/presentationml/2006/main">
+  <p:cSld>
+    <p:spTree>
+      <p:nvGrpSpPr>
+        <p:cNvPr id="1" name=""/>
+        <p:cNvGrpSpPr/>
+        <p:nvPr/>
+      </p:nvGrpSpPr>
+      <p:grpSpPr>
+        <a:xfrm>
+          <a:off x="0" y="0"/>
+          <a:ext cx="0" cy="0"/>
+          <a:chOff x="0" y="0"/>
+          <a:chExt cx="0" cy="0"/>
+        </a:xfrm>
+      </p:grpSpPr>
+      <p:pic>
+        <p:nvPicPr>
+          <p:cNvPr id="4" name="Picture 3">
+            <a:extLst>
+              <a:ext uri="{FF2B5EF4-FFF2-40B4-BE49-F238E27FC236}">
+                <a16:creationId xmlns:a16="http://schemas.microsoft.com/office/drawing/2014/main" id="{D047F1A7-BE8E-4823-A78B-7B9F3FFA4618}"/>
+              </a:ext>
+            </a:extLst>
+          </p:cNvPr>
+          <p:cNvPicPr>
+            <a:picLocks noChangeAspect="1"/>
+          </p:cNvPicPr>
+          <p:nvPr/>
+        </p:nvPicPr>
+        <p:blipFill>
+          <a:blip r:embed="rId2"/>
+          <a:stretch>
+            <a:fillRect/>
+          </a:stretch>
+        </p:blipFill>
+        <p:spPr>
+          <a:xfrm>
+            <a:off x="649734" y="0"/>
+            <a:ext cx="8758932" cy="7772400"/>
+          </a:xfrm>
+          <a:prstGeom prst="rect">
+            <a:avLst/>
+          </a:prstGeom>
+        </p:spPr>
+      </p:pic>
+    </p:spTree>
+    <p:extLst>
+      <p:ext uri="{BB962C8B-B14F-4D97-AF65-F5344CB8AC3E}">
+        <p14:creationId xmlns:p14="http://schemas.microsoft.com/office/powerpoint/2010/main" val="33895279"/>
+      </p:ext>
+    </p:extLst>
+  </p:cSld>
+  <p:clrMapOvr>
+    <a:masterClrMapping/>
+  </p:clrMapOvr>
+</p:sld>
+</file>
+
+<file path=ppt/slides/slide17.xml><?xml version="1.0" encoding="utf-8"?>
 <p:sld xmlns:a="http://schemas.openxmlformats.org/drawingml/2006/main" xmlns:r="http://schemas.openxmlformats.org/officeDocument/2006/relationships" xmlns:p="http://schemas.openxmlformats.org/presentationml/2006/main">
   <p:cSld>
     <p:spTree>
@@ -11905,7 +11966,7 @@
 </p:sld>
 </file>
 
-<file path=ppt/slides/slide17.xml><?xml version="1.0" encoding="utf-8"?>
+<file path=ppt/slides/slide18.xml><?xml version="1.0" encoding="utf-8"?>
 <p:sld xmlns:a="http://schemas.openxmlformats.org/drawingml/2006/main" xmlns:r="http://schemas.openxmlformats.org/officeDocument/2006/relationships" xmlns:p="http://schemas.openxmlformats.org/presentationml/2006/main">
   <p:cSld>
     <p:spTree>
@@ -13237,8 +13298,8 @@
           </a:p>
         </p:txBody>
       </p:sp>
-      <mc:AlternateContent xmlns:mc="http://schemas.openxmlformats.org/markup-compatibility/2006">
-        <mc:Choice xmlns:a14="http://schemas.microsoft.com/office/drawing/2010/main" Requires="a14">
+      <mc:AlternateContent xmlns:mc="http://schemas.openxmlformats.org/markup-compatibility/2006" xmlns:a14="http://schemas.microsoft.com/office/drawing/2010/main">
+        <mc:Choice Requires="a14">
           <p:sp>
             <p:nvSpPr>
               <p:cNvPr id="3" name="Text Placeholder 2"/>
@@ -13929,7 +13990,7 @@
             </p:txBody>
           </p:sp>
         </mc:Choice>
-        <mc:Fallback>
+        <mc:Fallback xmlns="">
           <p:sp>
             <p:nvSpPr>
               <p:cNvPr id="3" name="Text Placeholder 2"/>

--- a/Lecture#14/Lecture_14_presentation.pptx
+++ b/Lecture#14/Lecture_14_presentation.pptx
@@ -7,10 +7,10 @@
     <p:sldMasterId id="2147483671" r:id="rId3"/>
   </p:sldMasterIdLst>
   <p:notesMasterIdLst>
-    <p:notesMasterId r:id="rId22"/>
+    <p:notesMasterId r:id="rId27"/>
   </p:notesMasterIdLst>
   <p:handoutMasterIdLst>
-    <p:handoutMasterId r:id="rId23"/>
+    <p:handoutMasterId r:id="rId28"/>
   </p:handoutMasterIdLst>
   <p:sldIdLst>
     <p:sldId id="260" r:id="rId4"/>
@@ -20,17 +20,22 @@
     <p:sldId id="394" r:id="rId8"/>
     <p:sldId id="395" r:id="rId9"/>
     <p:sldId id="396" r:id="rId10"/>
-    <p:sldId id="400" r:id="rId11"/>
-    <p:sldId id="401" r:id="rId12"/>
-    <p:sldId id="262" r:id="rId13"/>
-    <p:sldId id="263" r:id="rId14"/>
-    <p:sldId id="264" r:id="rId15"/>
-    <p:sldId id="369" r:id="rId16"/>
-    <p:sldId id="392" r:id="rId17"/>
-    <p:sldId id="374" r:id="rId18"/>
-    <p:sldId id="402" r:id="rId19"/>
-    <p:sldId id="376" r:id="rId20"/>
-    <p:sldId id="377" r:id="rId21"/>
+    <p:sldId id="403" r:id="rId11"/>
+    <p:sldId id="404" r:id="rId12"/>
+    <p:sldId id="405" r:id="rId13"/>
+    <p:sldId id="406" r:id="rId14"/>
+    <p:sldId id="400" r:id="rId15"/>
+    <p:sldId id="401" r:id="rId16"/>
+    <p:sldId id="262" r:id="rId17"/>
+    <p:sldId id="263" r:id="rId18"/>
+    <p:sldId id="264" r:id="rId19"/>
+    <p:sldId id="369" r:id="rId20"/>
+    <p:sldId id="392" r:id="rId21"/>
+    <p:sldId id="374" r:id="rId22"/>
+    <p:sldId id="402" r:id="rId23"/>
+    <p:sldId id="376" r:id="rId24"/>
+    <p:sldId id="407" r:id="rId25"/>
+    <p:sldId id="377" r:id="rId26"/>
   </p:sldIdLst>
   <p:sldSz cx="10058400" cy="7772400"/>
   <p:notesSz cx="7315200" cy="9601200"/>
@@ -283,7 +288,7 @@
                 </a:solidFill>
               </a:rPr>
               <a:pPr/>
-              <a:t>3/7/2019</a:t>
+              <a:t>3/12/2019</a:t>
             </a:fld>
             <a:endParaRPr lang="en-US" dirty="0">
               <a:solidFill>
@@ -444,7 +449,7 @@
             <a:fld id="{DBF7D493-8EEB-7E45-916B-5FBC49ABC710}" type="datetimeFigureOut">
               <a:rPr lang="en-US" smtClean="0"/>
               <a:pPr/>
-              <a:t>3/7/2019</a:t>
+              <a:t>3/11/2019</a:t>
             </a:fld>
             <a:endParaRPr lang="en-US" dirty="0"/>
           </a:p>
@@ -5828,6 +5833,547 @@
       </p:grpSpPr>
       <p:sp>
         <p:nvSpPr>
+          <p:cNvPr id="2" name="Text Placeholder 1">
+            <a:extLst>
+              <a:ext uri="{FF2B5EF4-FFF2-40B4-BE49-F238E27FC236}">
+                <a16:creationId xmlns:a16="http://schemas.microsoft.com/office/drawing/2014/main" id="{5963D73C-4AB4-4817-8740-E8D1AFE62E01}"/>
+              </a:ext>
+            </a:extLst>
+          </p:cNvPr>
+          <p:cNvSpPr>
+            <a:spLocks noGrp="1"/>
+          </p:cNvSpPr>
+          <p:nvPr>
+            <p:ph type="body" sz="quarter" idx="10"/>
+          </p:nvPr>
+        </p:nvSpPr>
+        <p:spPr>
+          <a:xfrm rot="5400000">
+            <a:off x="-1867711" y="3017803"/>
+            <a:ext cx="5642042" cy="501380"/>
+          </a:xfrm>
+        </p:spPr>
+        <p:txBody>
+          <a:bodyPr/>
+          <a:lstStyle/>
+          <a:p>
+            <a:r>
+              <a:rPr lang="en-US" dirty="0">
+                <a:solidFill>
+                  <a:srgbClr val="FF0000"/>
+                </a:solidFill>
+              </a:rPr>
+              <a:t>Recursion- C code to LC3 (cont.)</a:t>
+            </a:r>
+          </a:p>
+        </p:txBody>
+      </p:sp>
+      <p:pic>
+        <p:nvPicPr>
+          <p:cNvPr id="3" name="Picture 2">
+            <a:extLst>
+              <a:ext uri="{FF2B5EF4-FFF2-40B4-BE49-F238E27FC236}">
+                <a16:creationId xmlns:a16="http://schemas.microsoft.com/office/drawing/2014/main" id="{795CCEE0-B40D-45B5-8729-BD0E88551739}"/>
+              </a:ext>
+            </a:extLst>
+          </p:cNvPr>
+          <p:cNvPicPr>
+            <a:picLocks noChangeAspect="1"/>
+          </p:cNvPicPr>
+          <p:nvPr/>
+        </p:nvPicPr>
+        <p:blipFill>
+          <a:blip r:embed="rId2"/>
+          <a:stretch>
+            <a:fillRect/>
+          </a:stretch>
+        </p:blipFill>
+        <p:spPr>
+          <a:xfrm>
+            <a:off x="1583381" y="564204"/>
+            <a:ext cx="7312591" cy="5038928"/>
+          </a:xfrm>
+          <a:prstGeom prst="rect">
+            <a:avLst/>
+          </a:prstGeom>
+        </p:spPr>
+      </p:pic>
+    </p:spTree>
+    <p:extLst>
+      <p:ext uri="{BB962C8B-B14F-4D97-AF65-F5344CB8AC3E}">
+        <p14:creationId xmlns:p14="http://schemas.microsoft.com/office/powerpoint/2010/main" val="442998977"/>
+      </p:ext>
+    </p:extLst>
+  </p:cSld>
+  <p:clrMapOvr>
+    <a:masterClrMapping/>
+  </p:clrMapOvr>
+</p:sld>
+</file>
+
+<file path=ppt/slides/slide11.xml><?xml version="1.0" encoding="utf-8"?>
+<p:sld xmlns:a="http://schemas.openxmlformats.org/drawingml/2006/main" xmlns:r="http://schemas.openxmlformats.org/officeDocument/2006/relationships" xmlns:p="http://schemas.openxmlformats.org/presentationml/2006/main">
+  <p:cSld>
+    <p:spTree>
+      <p:nvGrpSpPr>
+        <p:cNvPr id="1" name=""/>
+        <p:cNvGrpSpPr/>
+        <p:nvPr/>
+      </p:nvGrpSpPr>
+      <p:grpSpPr>
+        <a:xfrm>
+          <a:off x="0" y="0"/>
+          <a:ext cx="0" cy="0"/>
+          <a:chOff x="0" y="0"/>
+          <a:chExt cx="0" cy="0"/>
+        </a:xfrm>
+      </p:grpSpPr>
+      <p:sp>
+        <p:nvSpPr>
+          <p:cNvPr id="2" name="Text Placeholder 1">
+            <a:extLst>
+              <a:ext uri="{FF2B5EF4-FFF2-40B4-BE49-F238E27FC236}">
+                <a16:creationId xmlns:a16="http://schemas.microsoft.com/office/drawing/2014/main" id="{5963D73C-4AB4-4817-8740-E8D1AFE62E01}"/>
+              </a:ext>
+            </a:extLst>
+          </p:cNvPr>
+          <p:cNvSpPr>
+            <a:spLocks noGrp="1"/>
+          </p:cNvSpPr>
+          <p:nvPr>
+            <p:ph type="body" sz="quarter" idx="10"/>
+          </p:nvPr>
+        </p:nvSpPr>
+        <p:spPr>
+          <a:xfrm rot="5400000">
+            <a:off x="-1750979" y="2755157"/>
+            <a:ext cx="5642042" cy="501380"/>
+          </a:xfrm>
+        </p:spPr>
+        <p:txBody>
+          <a:bodyPr/>
+          <a:lstStyle/>
+          <a:p>
+            <a:r>
+              <a:rPr lang="en-US" dirty="0">
+                <a:solidFill>
+                  <a:srgbClr val="FF0000"/>
+                </a:solidFill>
+              </a:rPr>
+              <a:t>Recursion- C code to LC3 (cont.)</a:t>
+            </a:r>
+          </a:p>
+          <a:p>
+            <a:r>
+              <a:rPr lang="en-US" sz="2000" dirty="0">
+                <a:solidFill>
+                  <a:schemeClr val="tx2">
+                    <a:lumMod val="75000"/>
+                  </a:schemeClr>
+                </a:solidFill>
+              </a:rPr>
+              <a:t>(See the code factorial.asm)</a:t>
+            </a:r>
+          </a:p>
+        </p:txBody>
+      </p:sp>
+      <p:pic>
+        <p:nvPicPr>
+          <p:cNvPr id="3" name="Picture 2">
+            <a:extLst>
+              <a:ext uri="{FF2B5EF4-FFF2-40B4-BE49-F238E27FC236}">
+                <a16:creationId xmlns:a16="http://schemas.microsoft.com/office/drawing/2014/main" id="{4AEC43FD-B23F-4AD5-9388-90D0678F67B6}"/>
+              </a:ext>
+            </a:extLst>
+          </p:cNvPr>
+          <p:cNvPicPr>
+            <a:picLocks noChangeAspect="1"/>
+          </p:cNvPicPr>
+          <p:nvPr/>
+        </p:nvPicPr>
+        <p:blipFill>
+          <a:blip r:embed="rId2"/>
+          <a:stretch>
+            <a:fillRect/>
+          </a:stretch>
+        </p:blipFill>
+        <p:spPr>
+          <a:xfrm>
+            <a:off x="1889293" y="286662"/>
+            <a:ext cx="5229225" cy="6829425"/>
+          </a:xfrm>
+          <a:prstGeom prst="rect">
+            <a:avLst/>
+          </a:prstGeom>
+        </p:spPr>
+      </p:pic>
+    </p:spTree>
+    <p:extLst>
+      <p:ext uri="{BB962C8B-B14F-4D97-AF65-F5344CB8AC3E}">
+        <p14:creationId xmlns:p14="http://schemas.microsoft.com/office/powerpoint/2010/main" val="355794339"/>
+      </p:ext>
+    </p:extLst>
+  </p:cSld>
+  <p:clrMapOvr>
+    <a:masterClrMapping/>
+  </p:clrMapOvr>
+</p:sld>
+</file>
+
+<file path=ppt/slides/slide12.xml><?xml version="1.0" encoding="utf-8"?>
+<p:sld xmlns:a="http://schemas.openxmlformats.org/drawingml/2006/main" xmlns:r="http://schemas.openxmlformats.org/officeDocument/2006/relationships" xmlns:p="http://schemas.openxmlformats.org/presentationml/2006/main">
+  <p:cSld>
+    <p:spTree>
+      <p:nvGrpSpPr>
+        <p:cNvPr id="1" name=""/>
+        <p:cNvGrpSpPr/>
+        <p:nvPr/>
+      </p:nvGrpSpPr>
+      <p:grpSpPr>
+        <a:xfrm>
+          <a:off x="0" y="0"/>
+          <a:ext cx="0" cy="0"/>
+          <a:chOff x="0" y="0"/>
+          <a:chExt cx="0" cy="0"/>
+        </a:xfrm>
+      </p:grpSpPr>
+      <p:sp>
+        <p:nvSpPr>
+          <p:cNvPr id="2" name="Text Placeholder 1">
+            <a:extLst>
+              <a:ext uri="{FF2B5EF4-FFF2-40B4-BE49-F238E27FC236}">
+                <a16:creationId xmlns:a16="http://schemas.microsoft.com/office/drawing/2014/main" id="{1BCA371E-6339-4C94-AD64-9C56E4D46E5D}"/>
+              </a:ext>
+            </a:extLst>
+          </p:cNvPr>
+          <p:cNvSpPr>
+            <a:spLocks noGrp="1"/>
+          </p:cNvSpPr>
+          <p:nvPr>
+            <p:ph type="body" sz="quarter" idx="10"/>
+          </p:nvPr>
+        </p:nvSpPr>
+        <p:spPr>
+          <a:xfrm>
+            <a:off x="444500" y="346750"/>
+            <a:ext cx="9245600" cy="742950"/>
+          </a:xfrm>
+        </p:spPr>
+        <p:txBody>
+          <a:bodyPr/>
+          <a:lstStyle/>
+          <a:p>
+            <a:r>
+              <a:rPr lang="en-US" dirty="0">
+                <a:solidFill>
+                  <a:srgbClr val="002060"/>
+                </a:solidFill>
+              </a:rPr>
+              <a:t>Towers of Hanoi Problem</a:t>
+            </a:r>
+          </a:p>
+        </p:txBody>
+      </p:sp>
+      <p:pic>
+        <p:nvPicPr>
+          <p:cNvPr id="4" name="Picture 3">
+            <a:extLst>
+              <a:ext uri="{FF2B5EF4-FFF2-40B4-BE49-F238E27FC236}">
+                <a16:creationId xmlns:a16="http://schemas.microsoft.com/office/drawing/2014/main" id="{C544B2F6-5FE4-4EFA-BBE2-28FCFEAABB68}"/>
+              </a:ext>
+            </a:extLst>
+          </p:cNvPr>
+          <p:cNvPicPr>
+            <a:picLocks noChangeAspect="1"/>
+          </p:cNvPicPr>
+          <p:nvPr/>
+        </p:nvPicPr>
+        <p:blipFill>
+          <a:blip r:embed="rId2"/>
+          <a:stretch>
+            <a:fillRect/>
+          </a:stretch>
+        </p:blipFill>
+        <p:spPr>
+          <a:xfrm>
+            <a:off x="695122" y="1079164"/>
+            <a:ext cx="8648700" cy="5886450"/>
+          </a:xfrm>
+          <a:prstGeom prst="rect">
+            <a:avLst/>
+          </a:prstGeom>
+        </p:spPr>
+      </p:pic>
+    </p:spTree>
+    <p:extLst>
+      <p:ext uri="{BB962C8B-B14F-4D97-AF65-F5344CB8AC3E}">
+        <p14:creationId xmlns:p14="http://schemas.microsoft.com/office/powerpoint/2010/main" val="876709328"/>
+      </p:ext>
+    </p:extLst>
+  </p:cSld>
+  <p:clrMapOvr>
+    <a:masterClrMapping/>
+  </p:clrMapOvr>
+</p:sld>
+</file>
+
+<file path=ppt/slides/slide13.xml><?xml version="1.0" encoding="utf-8"?>
+<p:sld xmlns:a="http://schemas.openxmlformats.org/drawingml/2006/main" xmlns:r="http://schemas.openxmlformats.org/officeDocument/2006/relationships" xmlns:p="http://schemas.openxmlformats.org/presentationml/2006/main">
+  <p:cSld>
+    <p:spTree>
+      <p:nvGrpSpPr>
+        <p:cNvPr id="1" name=""/>
+        <p:cNvGrpSpPr/>
+        <p:nvPr/>
+      </p:nvGrpSpPr>
+      <p:grpSpPr>
+        <a:xfrm>
+          <a:off x="0" y="0"/>
+          <a:ext cx="0" cy="0"/>
+          <a:chOff x="0" y="0"/>
+          <a:chExt cx="0" cy="0"/>
+        </a:xfrm>
+      </p:grpSpPr>
+      <p:sp>
+        <p:nvSpPr>
+          <p:cNvPr id="2" name="Text Placeholder 1">
+            <a:extLst>
+              <a:ext uri="{FF2B5EF4-FFF2-40B4-BE49-F238E27FC236}">
+                <a16:creationId xmlns:a16="http://schemas.microsoft.com/office/drawing/2014/main" id="{CB8C0A80-2D6D-44CC-AA06-A5DCE22A15B3}"/>
+              </a:ext>
+            </a:extLst>
+          </p:cNvPr>
+          <p:cNvSpPr>
+            <a:spLocks noGrp="1"/>
+          </p:cNvSpPr>
+          <p:nvPr>
+            <p:ph type="body" sz="quarter" idx="10"/>
+          </p:nvPr>
+        </p:nvSpPr>
+        <p:spPr>
+          <a:xfrm>
+            <a:off x="444500" y="395389"/>
+            <a:ext cx="9245600" cy="742950"/>
+          </a:xfrm>
+        </p:spPr>
+        <p:txBody>
+          <a:bodyPr/>
+          <a:lstStyle/>
+          <a:p>
+            <a:r>
+              <a:rPr lang="en-US" dirty="0"/>
+              <a:t>Tower of Hanoi (Animation)</a:t>
+            </a:r>
+          </a:p>
+        </p:txBody>
+      </p:sp>
+      <p:pic>
+        <p:nvPicPr>
+          <p:cNvPr id="5" name="Tower of Hanoi - 3 Disks">
+            <a:hlinkClick r:id="" action="ppaction://media"/>
+            <a:extLst>
+              <a:ext uri="{FF2B5EF4-FFF2-40B4-BE49-F238E27FC236}">
+                <a16:creationId xmlns:a16="http://schemas.microsoft.com/office/drawing/2014/main" id="{16A40BEE-79FF-4C10-AAAD-614E570C9628}"/>
+              </a:ext>
+            </a:extLst>
+          </p:cNvPr>
+          <p:cNvPicPr>
+            <a:picLocks noChangeAspect="1"/>
+          </p:cNvPicPr>
+          <p:nvPr>
+            <a:videoFile r:link="rId1"/>
+            <p:extLst>
+              <p:ext uri="{DAA4B4D4-6D71-4841-9C94-3DE7FCFB9230}">
+                <p14:media xmlns:p14="http://schemas.microsoft.com/office/powerpoint/2010/main" r:embed="rId2">
+                  <p14:trim st="2796" end="2134"/>
+                </p14:media>
+              </p:ext>
+            </p:extLst>
+          </p:nvPr>
+        </p:nvPicPr>
+        <p:blipFill>
+          <a:blip r:embed="rId4"/>
+          <a:stretch>
+            <a:fillRect/>
+          </a:stretch>
+        </p:blipFill>
+        <p:spPr>
+          <a:xfrm>
+            <a:off x="1129555" y="1567301"/>
+            <a:ext cx="7434215" cy="4181746"/>
+          </a:xfrm>
+          <a:prstGeom prst="rect">
+            <a:avLst/>
+          </a:prstGeom>
+        </p:spPr>
+      </p:pic>
+    </p:spTree>
+    <p:extLst>
+      <p:ext uri="{BB962C8B-B14F-4D97-AF65-F5344CB8AC3E}">
+        <p14:creationId xmlns:p14="http://schemas.microsoft.com/office/powerpoint/2010/main" val="299918479"/>
+      </p:ext>
+    </p:extLst>
+  </p:cSld>
+  <p:clrMapOvr>
+    <a:masterClrMapping/>
+  </p:clrMapOvr>
+  <p:timing>
+    <p:tnLst>
+      <p:par>
+        <p:cTn id="1" dur="indefinite" restart="never" nodeType="tmRoot">
+          <p:childTnLst>
+            <p:seq concurrent="1" nextAc="seek">
+              <p:cTn id="2" dur="indefinite" nodeType="mainSeq">
+                <p:childTnLst>
+                  <p:par>
+                    <p:cTn id="3" fill="hold">
+                      <p:stCondLst>
+                        <p:cond delay="indefinite"/>
+                      </p:stCondLst>
+                      <p:childTnLst>
+                        <p:par>
+                          <p:cTn id="4" fill="hold">
+                            <p:stCondLst>
+                              <p:cond delay="0"/>
+                            </p:stCondLst>
+                            <p:childTnLst>
+                              <p:par>
+                                <p:cTn id="5" presetID="1" presetClass="mediacall" presetSubtype="0" fill="hold" nodeType="clickEffect">
+                                  <p:stCondLst>
+                                    <p:cond delay="0"/>
+                                  </p:stCondLst>
+                                  <p:childTnLst>
+                                    <p:cmd type="call" cmd="playFrom(0.0)">
+                                      <p:cBhvr>
+                                        <p:cTn id="6" dur="1" fill="hold"/>
+                                        <p:tgtEl>
+                                          <p:spTgt spid="5"/>
+                                        </p:tgtEl>
+                                      </p:cBhvr>
+                                    </p:cmd>
+                                  </p:childTnLst>
+                                </p:cTn>
+                              </p:par>
+                            </p:childTnLst>
+                          </p:cTn>
+                        </p:par>
+                      </p:childTnLst>
+                    </p:cTn>
+                  </p:par>
+                </p:childTnLst>
+              </p:cTn>
+              <p:prevCondLst>
+                <p:cond evt="onPrev" delay="0">
+                  <p:tgtEl>
+                    <p:sldTgt/>
+                  </p:tgtEl>
+                </p:cond>
+              </p:prevCondLst>
+              <p:nextCondLst>
+                <p:cond evt="onNext" delay="0">
+                  <p:tgtEl>
+                    <p:sldTgt/>
+                  </p:tgtEl>
+                </p:cond>
+              </p:nextCondLst>
+            </p:seq>
+            <p:video>
+              <p:cMediaNode vol="80000">
+                <p:cTn id="7" fill="hold" display="0">
+                  <p:stCondLst>
+                    <p:cond delay="indefinite"/>
+                  </p:stCondLst>
+                </p:cTn>
+                <p:tgtEl>
+                  <p:spTgt spid="5"/>
+                </p:tgtEl>
+              </p:cMediaNode>
+            </p:video>
+            <p:seq concurrent="1" nextAc="seek">
+              <p:cTn id="8" restart="whenNotActive" fill="hold" evtFilter="cancelBubble" nodeType="interactiveSeq">
+                <p:stCondLst>
+                  <p:cond evt="onClick" delay="0">
+                    <p:tgtEl>
+                      <p:spTgt spid="5"/>
+                    </p:tgtEl>
+                  </p:cond>
+                </p:stCondLst>
+                <p:endSync evt="end" delay="0">
+                  <p:rtn val="all"/>
+                </p:endSync>
+                <p:childTnLst>
+                  <p:par>
+                    <p:cTn id="9" fill="hold">
+                      <p:stCondLst>
+                        <p:cond delay="0"/>
+                      </p:stCondLst>
+                      <p:childTnLst>
+                        <p:par>
+                          <p:cTn id="10" fill="hold">
+                            <p:stCondLst>
+                              <p:cond delay="0"/>
+                            </p:stCondLst>
+                            <p:childTnLst>
+                              <p:par>
+                                <p:cTn id="11" presetID="2" presetClass="mediacall" presetSubtype="0" fill="hold" nodeType="clickEffect">
+                                  <p:stCondLst>
+                                    <p:cond delay="0"/>
+                                  </p:stCondLst>
+                                  <p:childTnLst>
+                                    <p:cmd type="call" cmd="togglePause">
+                                      <p:cBhvr>
+                                        <p:cTn id="12" dur="1" fill="hold"/>
+                                        <p:tgtEl>
+                                          <p:spTgt spid="5"/>
+                                        </p:tgtEl>
+                                      </p:cBhvr>
+                                    </p:cmd>
+                                  </p:childTnLst>
+                                </p:cTn>
+                              </p:par>
+                            </p:childTnLst>
+                          </p:cTn>
+                        </p:par>
+                      </p:childTnLst>
+                    </p:cTn>
+                  </p:par>
+                </p:childTnLst>
+              </p:cTn>
+              <p:nextCondLst>
+                <p:cond evt="onClick" delay="0">
+                  <p:tgtEl>
+                    <p:spTgt spid="5"/>
+                  </p:tgtEl>
+                </p:cond>
+              </p:nextCondLst>
+            </p:seq>
+          </p:childTnLst>
+        </p:cTn>
+      </p:par>
+    </p:tnLst>
+  </p:timing>
+</p:sld>
+</file>
+
+<file path=ppt/slides/slide14.xml><?xml version="1.0" encoding="utf-8"?>
+<p:sld xmlns:a="http://schemas.openxmlformats.org/drawingml/2006/main" xmlns:r="http://schemas.openxmlformats.org/officeDocument/2006/relationships" xmlns:p="http://schemas.openxmlformats.org/presentationml/2006/main">
+  <p:cSld>
+    <p:spTree>
+      <p:nvGrpSpPr>
+        <p:cNvPr id="1" name=""/>
+        <p:cNvGrpSpPr/>
+        <p:nvPr/>
+      </p:nvGrpSpPr>
+      <p:grpSpPr>
+        <a:xfrm>
+          <a:off x="0" y="0"/>
+          <a:ext cx="0" cy="0"/>
+          <a:chOff x="0" y="0"/>
+          <a:chExt cx="0" cy="0"/>
+        </a:xfrm>
+      </p:grpSpPr>
+      <p:sp>
+        <p:nvSpPr>
           <p:cNvPr id="37" name="Slide Number Placeholder 36">
             <a:extLst>
               <a:ext uri="{FF2B5EF4-FFF2-40B4-BE49-F238E27FC236}">
@@ -5879,7 +6425,7 @@
                   <a:spcPct val="0"/>
                 </a:spcAft>
               </a:pPr>
-              <a:t>10</a:t>
+              <a:t>14</a:t>
             </a:fld>
             <a:endParaRPr lang="en-US" altLang="en-US">
               <a:solidFill>
@@ -8196,7 +8742,7 @@
 </p:sld>
 </file>
 
-<file path=ppt/slides/slide11.xml><?xml version="1.0" encoding="utf-8"?>
+<file path=ppt/slides/slide15.xml><?xml version="1.0" encoding="utf-8"?>
 <p:sld xmlns:a="http://schemas.openxmlformats.org/drawingml/2006/main" xmlns:r="http://schemas.openxmlformats.org/officeDocument/2006/relationships" xmlns:p="http://schemas.openxmlformats.org/presentationml/2006/main">
   <p:cSld>
     <p:spTree>
@@ -8266,7 +8812,7 @@
                   <a:spcPct val="0"/>
                 </a:spcAft>
               </a:pPr>
-              <a:t>11</a:t>
+              <a:t>15</a:t>
             </a:fld>
             <a:endParaRPr lang="en-US" altLang="en-US">
               <a:solidFill>
@@ -8444,7 +8990,7 @@
 </p:sld>
 </file>
 
-<file path=ppt/slides/slide12.xml><?xml version="1.0" encoding="utf-8"?>
+<file path=ppt/slides/slide16.xml><?xml version="1.0" encoding="utf-8"?>
 <p:sld xmlns:a="http://schemas.openxmlformats.org/drawingml/2006/main" xmlns:r="http://schemas.openxmlformats.org/officeDocument/2006/relationships" xmlns:p="http://schemas.openxmlformats.org/presentationml/2006/main">
   <p:cSld>
     <p:spTree>
@@ -8514,7 +9060,7 @@
                   <a:spcPct val="0"/>
                 </a:spcAft>
               </a:pPr>
-              <a:t>12</a:t>
+              <a:t>16</a:t>
             </a:fld>
             <a:endParaRPr lang="en-US" altLang="en-US">
               <a:solidFill>
@@ -8795,7 +9341,7 @@
 </p:sld>
 </file>
 
-<file path=ppt/slides/slide13.xml><?xml version="1.0" encoding="utf-8"?>
+<file path=ppt/slides/slide17.xml><?xml version="1.0" encoding="utf-8"?>
 <p:sld xmlns:a="http://schemas.openxmlformats.org/drawingml/2006/main" xmlns:r="http://schemas.openxmlformats.org/officeDocument/2006/relationships" xmlns:p="http://schemas.openxmlformats.org/presentationml/2006/main">
   <p:cSld>
     <p:spTree>
@@ -9581,7 +10127,7 @@
 </p:sld>
 </file>
 
-<file path=ppt/slides/slide14.xml><?xml version="1.0" encoding="utf-8"?>
+<file path=ppt/slides/slide18.xml><?xml version="1.0" encoding="utf-8"?>
 <p:sld xmlns:a="http://schemas.openxmlformats.org/drawingml/2006/main" xmlns:r="http://schemas.openxmlformats.org/officeDocument/2006/relationships" xmlns:p="http://schemas.openxmlformats.org/presentationml/2006/main">
   <p:cSld>
     <p:spTree>
@@ -10092,7 +10638,7 @@
 </p:sld>
 </file>
 
-<file path=ppt/slides/slide15.xml><?xml version="1.0" encoding="utf-8"?>
+<file path=ppt/slides/slide19.xml><?xml version="1.0" encoding="utf-8"?>
 <p:sld xmlns:a="http://schemas.openxmlformats.org/drawingml/2006/main" xmlns:r="http://schemas.openxmlformats.org/officeDocument/2006/relationships" xmlns:p="http://schemas.openxmlformats.org/presentationml/2006/main">
   <p:cSld>
     <p:spTree>
@@ -10494,1890 +11040,6 @@
     <p:extLst>
       <p:ext uri="{BB962C8B-B14F-4D97-AF65-F5344CB8AC3E}">
         <p14:creationId xmlns:p14="http://schemas.microsoft.com/office/powerpoint/2010/main" val="323241166"/>
-      </p:ext>
-    </p:extLst>
-  </p:cSld>
-  <p:clrMapOvr>
-    <a:masterClrMapping/>
-  </p:clrMapOvr>
-</p:sld>
-</file>
-
-<file path=ppt/slides/slide16.xml><?xml version="1.0" encoding="utf-8"?>
-<p:sld xmlns:a="http://schemas.openxmlformats.org/drawingml/2006/main" xmlns:r="http://schemas.openxmlformats.org/officeDocument/2006/relationships" xmlns:p="http://schemas.openxmlformats.org/presentationml/2006/main">
-  <p:cSld>
-    <p:spTree>
-      <p:nvGrpSpPr>
-        <p:cNvPr id="1" name=""/>
-        <p:cNvGrpSpPr/>
-        <p:nvPr/>
-      </p:nvGrpSpPr>
-      <p:grpSpPr>
-        <a:xfrm>
-          <a:off x="0" y="0"/>
-          <a:ext cx="0" cy="0"/>
-          <a:chOff x="0" y="0"/>
-          <a:chExt cx="0" cy="0"/>
-        </a:xfrm>
-      </p:grpSpPr>
-      <p:pic>
-        <p:nvPicPr>
-          <p:cNvPr id="4" name="Picture 3">
-            <a:extLst>
-              <a:ext uri="{FF2B5EF4-FFF2-40B4-BE49-F238E27FC236}">
-                <a16:creationId xmlns:a16="http://schemas.microsoft.com/office/drawing/2014/main" id="{D047F1A7-BE8E-4823-A78B-7B9F3FFA4618}"/>
-              </a:ext>
-            </a:extLst>
-          </p:cNvPr>
-          <p:cNvPicPr>
-            <a:picLocks noChangeAspect="1"/>
-          </p:cNvPicPr>
-          <p:nvPr/>
-        </p:nvPicPr>
-        <p:blipFill>
-          <a:blip r:embed="rId2"/>
-          <a:stretch>
-            <a:fillRect/>
-          </a:stretch>
-        </p:blipFill>
-        <p:spPr>
-          <a:xfrm>
-            <a:off x="649734" y="0"/>
-            <a:ext cx="8758932" cy="7772400"/>
-          </a:xfrm>
-          <a:prstGeom prst="rect">
-            <a:avLst/>
-          </a:prstGeom>
-        </p:spPr>
-      </p:pic>
-    </p:spTree>
-    <p:extLst>
-      <p:ext uri="{BB962C8B-B14F-4D97-AF65-F5344CB8AC3E}">
-        <p14:creationId xmlns:p14="http://schemas.microsoft.com/office/powerpoint/2010/main" val="33895279"/>
-      </p:ext>
-    </p:extLst>
-  </p:cSld>
-  <p:clrMapOvr>
-    <a:masterClrMapping/>
-  </p:clrMapOvr>
-</p:sld>
-</file>
-
-<file path=ppt/slides/slide17.xml><?xml version="1.0" encoding="utf-8"?>
-<p:sld xmlns:a="http://schemas.openxmlformats.org/drawingml/2006/main" xmlns:r="http://schemas.openxmlformats.org/officeDocument/2006/relationships" xmlns:p="http://schemas.openxmlformats.org/presentationml/2006/main">
-  <p:cSld>
-    <p:spTree>
-      <p:nvGrpSpPr>
-        <p:cNvPr id="1" name=""/>
-        <p:cNvGrpSpPr/>
-        <p:nvPr/>
-      </p:nvGrpSpPr>
-      <p:grpSpPr>
-        <a:xfrm>
-          <a:off x="0" y="0"/>
-          <a:ext cx="0" cy="0"/>
-          <a:chOff x="0" y="0"/>
-          <a:chExt cx="0" cy="0"/>
-        </a:xfrm>
-      </p:grpSpPr>
-      <p:sp>
-        <p:nvSpPr>
-          <p:cNvPr id="3" name="Text Placeholder 2"/>
-          <p:cNvSpPr>
-            <a:spLocks noGrp="1"/>
-          </p:cNvSpPr>
-          <p:nvPr>
-            <p:ph type="body" sz="quarter" idx="12"/>
-          </p:nvPr>
-        </p:nvSpPr>
-        <p:spPr>
-          <a:xfrm>
-            <a:off x="444500" y="587827"/>
-            <a:ext cx="9245600" cy="1358539"/>
-          </a:xfrm>
-        </p:spPr>
-        <p:txBody>
-          <a:bodyPr/>
-          <a:lstStyle/>
-          <a:p>
-            <a:pPr marL="0" indent="0">
-              <a:buNone/>
-            </a:pPr>
-            <a:r>
-              <a:rPr lang="en-US" b="1" dirty="0"/>
-              <a:t>Quick Sort</a:t>
-            </a:r>
-            <a:r>
-              <a:rPr lang="en-US" dirty="0"/>
-              <a:t>: also called divide-and-conquer </a:t>
-            </a:r>
-          </a:p>
-          <a:p>
-            <a:pPr marL="0" indent="0">
-              <a:buNone/>
-            </a:pPr>
-            <a:r>
-              <a:rPr lang="en-US" dirty="0"/>
-              <a:t>		     1) pick a pivot and partition array into 2 subarrays; </a:t>
-            </a:r>
-          </a:p>
-          <a:p>
-            <a:pPr marL="0" indent="0">
-              <a:buNone/>
-            </a:pPr>
-            <a:r>
-              <a:rPr lang="en-US" dirty="0"/>
-              <a:t>		     2) then sort subarrays using the same method.</a:t>
-            </a:r>
-          </a:p>
-          <a:p>
-            <a:pPr marL="0" marR="0" lvl="0" indent="0" defTabSz="914400" eaLnBrk="1" fontAlgn="auto" latinLnBrk="0" hangingPunct="1">
-              <a:lnSpc>
-                <a:spcPct val="100000"/>
-              </a:lnSpc>
-              <a:spcBef>
-                <a:spcPts val="0"/>
-              </a:spcBef>
-              <a:spcAft>
-                <a:spcPts val="0"/>
-              </a:spcAft>
-              <a:buClrTx/>
-              <a:buSzTx/>
-              <a:buFontTx/>
-              <a:buNone/>
-              <a:tabLst/>
-              <a:defRPr/>
-            </a:pPr>
-            <a:endParaRPr lang="en-US" dirty="0"/>
-          </a:p>
-        </p:txBody>
-      </p:sp>
-      <p:graphicFrame>
-        <p:nvGraphicFramePr>
-          <p:cNvPr id="9" name="Table 8"/>
-          <p:cNvGraphicFramePr>
-            <a:graphicFrameLocks noGrp="1"/>
-          </p:cNvGraphicFramePr>
-          <p:nvPr>
-            <p:extLst>
-              <p:ext uri="{D42A27DB-BD31-4B8C-83A1-F6EECF244321}">
-                <p14:modId xmlns:p14="http://schemas.microsoft.com/office/powerpoint/2010/main" val="998994345"/>
-              </p:ext>
-            </p:extLst>
-          </p:nvPr>
-        </p:nvGraphicFramePr>
-        <p:xfrm>
-          <a:off x="2718197" y="2445974"/>
-          <a:ext cx="4872445" cy="396240"/>
-        </p:xfrm>
-        <a:graphic>
-          <a:graphicData uri="http://schemas.openxmlformats.org/drawingml/2006/table">
-            <a:tbl>
-              <a:tblPr firstRow="1" bandRow="1">
-                <a:tableStyleId>{5C22544A-7EE6-4342-B048-85BDC9FD1C3A}</a:tableStyleId>
-              </a:tblPr>
-              <a:tblGrid>
-                <a:gridCol w="974489">
-                  <a:extLst>
-                    <a:ext uri="{9D8B030D-6E8A-4147-A177-3AD203B41FA5}">
-                      <a16:colId xmlns:a16="http://schemas.microsoft.com/office/drawing/2014/main" val="20000"/>
-                    </a:ext>
-                  </a:extLst>
-                </a:gridCol>
-                <a:gridCol w="974489">
-                  <a:extLst>
-                    <a:ext uri="{9D8B030D-6E8A-4147-A177-3AD203B41FA5}">
-                      <a16:colId xmlns:a16="http://schemas.microsoft.com/office/drawing/2014/main" val="20001"/>
-                    </a:ext>
-                  </a:extLst>
-                </a:gridCol>
-                <a:gridCol w="974489">
-                  <a:extLst>
-                    <a:ext uri="{9D8B030D-6E8A-4147-A177-3AD203B41FA5}">
-                      <a16:colId xmlns:a16="http://schemas.microsoft.com/office/drawing/2014/main" val="20002"/>
-                    </a:ext>
-                  </a:extLst>
-                </a:gridCol>
-                <a:gridCol w="974489">
-                  <a:extLst>
-                    <a:ext uri="{9D8B030D-6E8A-4147-A177-3AD203B41FA5}">
-                      <a16:colId xmlns:a16="http://schemas.microsoft.com/office/drawing/2014/main" val="20003"/>
-                    </a:ext>
-                  </a:extLst>
-                </a:gridCol>
-                <a:gridCol w="974489">
-                  <a:extLst>
-                    <a:ext uri="{9D8B030D-6E8A-4147-A177-3AD203B41FA5}">
-                      <a16:colId xmlns:a16="http://schemas.microsoft.com/office/drawing/2014/main" val="20004"/>
-                    </a:ext>
-                  </a:extLst>
-                </a:gridCol>
-              </a:tblGrid>
-              <a:tr h="0">
-                <a:tc>
-                  <a:txBody>
-                    <a:bodyPr/>
-                    <a:lstStyle/>
-                    <a:p>
-                      <a:pPr algn="ctr"/>
-                      <a:r>
-                        <a:rPr lang="en-US" dirty="0">
-                          <a:solidFill>
-                            <a:srgbClr val="002060"/>
-                          </a:solidFill>
-                        </a:rPr>
-                        <a:t>3</a:t>
-                      </a:r>
-                    </a:p>
-                  </a:txBody>
-                  <a:tcPr>
-                    <a:solidFill>
-                      <a:schemeClr val="accent1">
-                        <a:lumMod val="40000"/>
-                        <a:lumOff val="60000"/>
-                      </a:schemeClr>
-                    </a:solidFill>
-                  </a:tcPr>
-                </a:tc>
-                <a:tc>
-                  <a:txBody>
-                    <a:bodyPr/>
-                    <a:lstStyle/>
-                    <a:p>
-                      <a:pPr algn="ctr"/>
-                      <a:r>
-                        <a:rPr lang="en-US" dirty="0">
-                          <a:solidFill>
-                            <a:srgbClr val="002060"/>
-                          </a:solidFill>
-                        </a:rPr>
-                        <a:t>5</a:t>
-                      </a:r>
-                    </a:p>
-                  </a:txBody>
-                  <a:tcPr>
-                    <a:solidFill>
-                      <a:schemeClr val="accent1">
-                        <a:lumMod val="40000"/>
-                        <a:lumOff val="60000"/>
-                      </a:schemeClr>
-                    </a:solidFill>
-                  </a:tcPr>
-                </a:tc>
-                <a:tc>
-                  <a:txBody>
-                    <a:bodyPr/>
-                    <a:lstStyle/>
-                    <a:p>
-                      <a:pPr algn="ctr"/>
-                      <a:r>
-                        <a:rPr lang="en-US" dirty="0">
-                          <a:solidFill>
-                            <a:srgbClr val="002060"/>
-                          </a:solidFill>
-                        </a:rPr>
-                        <a:t>2</a:t>
-                      </a:r>
-                    </a:p>
-                  </a:txBody>
-                  <a:tcPr>
-                    <a:solidFill>
-                      <a:schemeClr val="accent1">
-                        <a:lumMod val="40000"/>
-                        <a:lumOff val="60000"/>
-                      </a:schemeClr>
-                    </a:solidFill>
-                  </a:tcPr>
-                </a:tc>
-                <a:tc>
-                  <a:txBody>
-                    <a:bodyPr/>
-                    <a:lstStyle/>
-                    <a:p>
-                      <a:pPr algn="ctr"/>
-                      <a:r>
-                        <a:rPr lang="en-US" dirty="0">
-                          <a:solidFill>
-                            <a:srgbClr val="002060"/>
-                          </a:solidFill>
-                        </a:rPr>
-                        <a:t>1</a:t>
-                      </a:r>
-                    </a:p>
-                  </a:txBody>
-                  <a:tcPr>
-                    <a:solidFill>
-                      <a:schemeClr val="accent1">
-                        <a:lumMod val="40000"/>
-                        <a:lumOff val="60000"/>
-                      </a:schemeClr>
-                    </a:solidFill>
-                  </a:tcPr>
-                </a:tc>
-                <a:tc>
-                  <a:txBody>
-                    <a:bodyPr/>
-                    <a:lstStyle/>
-                    <a:p>
-                      <a:pPr algn="ctr"/>
-                      <a:r>
-                        <a:rPr lang="en-US" dirty="0">
-                          <a:solidFill>
-                            <a:srgbClr val="002060"/>
-                          </a:solidFill>
-                        </a:rPr>
-                        <a:t>4</a:t>
-                      </a:r>
-                    </a:p>
-                  </a:txBody>
-                  <a:tcPr>
-                    <a:solidFill>
-                      <a:schemeClr val="accent1">
-                        <a:lumMod val="40000"/>
-                        <a:lumOff val="60000"/>
-                      </a:schemeClr>
-                    </a:solidFill>
-                  </a:tcPr>
-                </a:tc>
-                <a:extLst>
-                  <a:ext uri="{0D108BD9-81ED-4DB2-BD59-A6C34878D82A}">
-                    <a16:rowId xmlns:a16="http://schemas.microsoft.com/office/drawing/2014/main" val="10000"/>
-                  </a:ext>
-                </a:extLst>
-              </a:tr>
-            </a:tbl>
-          </a:graphicData>
-        </a:graphic>
-      </p:graphicFrame>
-      <p:graphicFrame>
-        <p:nvGraphicFramePr>
-          <p:cNvPr id="12" name="Table 11"/>
-          <p:cNvGraphicFramePr>
-            <a:graphicFrameLocks noGrp="1"/>
-          </p:cNvGraphicFramePr>
-          <p:nvPr>
-            <p:extLst>
-              <p:ext uri="{D42A27DB-BD31-4B8C-83A1-F6EECF244321}">
-                <p14:modId xmlns:p14="http://schemas.microsoft.com/office/powerpoint/2010/main" val="1070804169"/>
-              </p:ext>
-            </p:extLst>
-          </p:nvPr>
-        </p:nvGraphicFramePr>
-        <p:xfrm>
-          <a:off x="2739967" y="3421333"/>
-          <a:ext cx="4872445" cy="396240"/>
-        </p:xfrm>
-        <a:graphic>
-          <a:graphicData uri="http://schemas.openxmlformats.org/drawingml/2006/table">
-            <a:tbl>
-              <a:tblPr firstRow="1" bandRow="1">
-                <a:tableStyleId>{5C22544A-7EE6-4342-B048-85BDC9FD1C3A}</a:tableStyleId>
-              </a:tblPr>
-              <a:tblGrid>
-                <a:gridCol w="974489">
-                  <a:extLst>
-                    <a:ext uri="{9D8B030D-6E8A-4147-A177-3AD203B41FA5}">
-                      <a16:colId xmlns:a16="http://schemas.microsoft.com/office/drawing/2014/main" val="20000"/>
-                    </a:ext>
-                  </a:extLst>
-                </a:gridCol>
-                <a:gridCol w="974489">
-                  <a:extLst>
-                    <a:ext uri="{9D8B030D-6E8A-4147-A177-3AD203B41FA5}">
-                      <a16:colId xmlns:a16="http://schemas.microsoft.com/office/drawing/2014/main" val="20001"/>
-                    </a:ext>
-                  </a:extLst>
-                </a:gridCol>
-                <a:gridCol w="974489">
-                  <a:extLst>
-                    <a:ext uri="{9D8B030D-6E8A-4147-A177-3AD203B41FA5}">
-                      <a16:colId xmlns:a16="http://schemas.microsoft.com/office/drawing/2014/main" val="20002"/>
-                    </a:ext>
-                  </a:extLst>
-                </a:gridCol>
-                <a:gridCol w="974489">
-                  <a:extLst>
-                    <a:ext uri="{9D8B030D-6E8A-4147-A177-3AD203B41FA5}">
-                      <a16:colId xmlns:a16="http://schemas.microsoft.com/office/drawing/2014/main" val="20003"/>
-                    </a:ext>
-                  </a:extLst>
-                </a:gridCol>
-                <a:gridCol w="974489">
-                  <a:extLst>
-                    <a:ext uri="{9D8B030D-6E8A-4147-A177-3AD203B41FA5}">
-                      <a16:colId xmlns:a16="http://schemas.microsoft.com/office/drawing/2014/main" val="20004"/>
-                    </a:ext>
-                  </a:extLst>
-                </a:gridCol>
-              </a:tblGrid>
-              <a:tr h="0">
-                <a:tc>
-                  <a:txBody>
-                    <a:bodyPr/>
-                    <a:lstStyle/>
-                    <a:p>
-                      <a:pPr algn="ctr"/>
-                      <a:r>
-                        <a:rPr lang="en-US" dirty="0">
-                          <a:solidFill>
-                            <a:srgbClr val="002060"/>
-                          </a:solidFill>
-                        </a:rPr>
-                        <a:t>2</a:t>
-                      </a:r>
-                    </a:p>
-                  </a:txBody>
-                  <a:tcPr>
-                    <a:solidFill>
-                      <a:schemeClr val="accent1">
-                        <a:lumMod val="40000"/>
-                        <a:lumOff val="60000"/>
-                      </a:schemeClr>
-                    </a:solidFill>
-                  </a:tcPr>
-                </a:tc>
-                <a:tc>
-                  <a:txBody>
-                    <a:bodyPr/>
-                    <a:lstStyle/>
-                    <a:p>
-                      <a:pPr algn="ctr"/>
-                      <a:r>
-                        <a:rPr lang="en-US" dirty="0">
-                          <a:solidFill>
-                            <a:srgbClr val="002060"/>
-                          </a:solidFill>
-                        </a:rPr>
-                        <a:t>1</a:t>
-                      </a:r>
-                    </a:p>
-                  </a:txBody>
-                  <a:tcPr>
-                    <a:solidFill>
-                      <a:schemeClr val="accent1">
-                        <a:lumMod val="40000"/>
-                        <a:lumOff val="60000"/>
-                      </a:schemeClr>
-                    </a:solidFill>
-                  </a:tcPr>
-                </a:tc>
-                <a:tc>
-                  <a:txBody>
-                    <a:bodyPr/>
-                    <a:lstStyle/>
-                    <a:p>
-                      <a:pPr algn="ctr"/>
-                      <a:r>
-                        <a:rPr lang="en-US" dirty="0">
-                          <a:solidFill>
-                            <a:srgbClr val="002060"/>
-                          </a:solidFill>
-                        </a:rPr>
-                        <a:t>3</a:t>
-                      </a:r>
-                    </a:p>
-                  </a:txBody>
-                  <a:tcPr>
-                    <a:solidFill>
-                      <a:schemeClr val="accent6"/>
-                    </a:solidFill>
-                  </a:tcPr>
-                </a:tc>
-                <a:tc>
-                  <a:txBody>
-                    <a:bodyPr/>
-                    <a:lstStyle/>
-                    <a:p>
-                      <a:pPr algn="ctr"/>
-                      <a:r>
-                        <a:rPr lang="en-US" dirty="0">
-                          <a:solidFill>
-                            <a:srgbClr val="002060"/>
-                          </a:solidFill>
-                        </a:rPr>
-                        <a:t>5</a:t>
-                      </a:r>
-                    </a:p>
-                  </a:txBody>
-                  <a:tcPr>
-                    <a:solidFill>
-                      <a:schemeClr val="accent1">
-                        <a:lumMod val="40000"/>
-                        <a:lumOff val="60000"/>
-                      </a:schemeClr>
-                    </a:solidFill>
-                  </a:tcPr>
-                </a:tc>
-                <a:tc>
-                  <a:txBody>
-                    <a:bodyPr/>
-                    <a:lstStyle/>
-                    <a:p>
-                      <a:pPr algn="ctr"/>
-                      <a:r>
-                        <a:rPr lang="en-US" dirty="0">
-                          <a:solidFill>
-                            <a:srgbClr val="002060"/>
-                          </a:solidFill>
-                        </a:rPr>
-                        <a:t>4</a:t>
-                      </a:r>
-                    </a:p>
-                  </a:txBody>
-                  <a:tcPr>
-                    <a:solidFill>
-                      <a:schemeClr val="accent1">
-                        <a:lumMod val="40000"/>
-                        <a:lumOff val="60000"/>
-                      </a:schemeClr>
-                    </a:solidFill>
-                  </a:tcPr>
-                </a:tc>
-                <a:extLst>
-                  <a:ext uri="{0D108BD9-81ED-4DB2-BD59-A6C34878D82A}">
-                    <a16:rowId xmlns:a16="http://schemas.microsoft.com/office/drawing/2014/main" val="10000"/>
-                  </a:ext>
-                </a:extLst>
-              </a:tr>
-            </a:tbl>
-          </a:graphicData>
-        </a:graphic>
-      </p:graphicFrame>
-      <p:graphicFrame>
-        <p:nvGraphicFramePr>
-          <p:cNvPr id="10" name="Table 9"/>
-          <p:cNvGraphicFramePr>
-            <a:graphicFrameLocks noGrp="1"/>
-          </p:cNvGraphicFramePr>
-          <p:nvPr>
-            <p:extLst>
-              <p:ext uri="{D42A27DB-BD31-4B8C-83A1-F6EECF244321}">
-                <p14:modId xmlns:p14="http://schemas.microsoft.com/office/powerpoint/2010/main" val="1092706523"/>
-              </p:ext>
-            </p:extLst>
-          </p:nvPr>
-        </p:nvGraphicFramePr>
-        <p:xfrm>
-          <a:off x="2739967" y="4467636"/>
-          <a:ext cx="1968138" cy="396240"/>
-        </p:xfrm>
-        <a:graphic>
-          <a:graphicData uri="http://schemas.openxmlformats.org/drawingml/2006/table">
-            <a:tbl>
-              <a:tblPr bandRow="1">
-                <a:tableStyleId>{5C22544A-7EE6-4342-B048-85BDC9FD1C3A}</a:tableStyleId>
-              </a:tblPr>
-              <a:tblGrid>
-                <a:gridCol w="984069">
-                  <a:extLst>
-                    <a:ext uri="{9D8B030D-6E8A-4147-A177-3AD203B41FA5}">
-                      <a16:colId xmlns:a16="http://schemas.microsoft.com/office/drawing/2014/main" val="20000"/>
-                    </a:ext>
-                  </a:extLst>
-                </a:gridCol>
-                <a:gridCol w="984069">
-                  <a:extLst>
-                    <a:ext uri="{9D8B030D-6E8A-4147-A177-3AD203B41FA5}">
-                      <a16:colId xmlns:a16="http://schemas.microsoft.com/office/drawing/2014/main" val="20001"/>
-                    </a:ext>
-                  </a:extLst>
-                </a:gridCol>
-              </a:tblGrid>
-              <a:tr h="370840">
-                <a:tc>
-                  <a:txBody>
-                    <a:bodyPr/>
-                    <a:lstStyle/>
-                    <a:p>
-                      <a:pPr algn="ctr"/>
-                      <a:r>
-                        <a:rPr lang="en-US" b="1" dirty="0">
-                          <a:solidFill>
-                            <a:srgbClr val="002060"/>
-                          </a:solidFill>
-                        </a:rPr>
-                        <a:t>1</a:t>
-                      </a:r>
-                    </a:p>
-                  </a:txBody>
-                  <a:tcPr>
-                    <a:solidFill>
-                      <a:schemeClr val="accent1">
-                        <a:lumMod val="40000"/>
-                        <a:lumOff val="60000"/>
-                      </a:schemeClr>
-                    </a:solidFill>
-                  </a:tcPr>
-                </a:tc>
-                <a:tc>
-                  <a:txBody>
-                    <a:bodyPr/>
-                    <a:lstStyle/>
-                    <a:p>
-                      <a:pPr algn="ctr"/>
-                      <a:r>
-                        <a:rPr lang="en-US" b="1" dirty="0">
-                          <a:solidFill>
-                            <a:srgbClr val="002060"/>
-                          </a:solidFill>
-                        </a:rPr>
-                        <a:t>2</a:t>
-                      </a:r>
-                    </a:p>
-                  </a:txBody>
-                  <a:tcPr>
-                    <a:solidFill>
-                      <a:schemeClr val="accent6"/>
-                    </a:solidFill>
-                  </a:tcPr>
-                </a:tc>
-                <a:extLst>
-                  <a:ext uri="{0D108BD9-81ED-4DB2-BD59-A6C34878D82A}">
-                    <a16:rowId xmlns:a16="http://schemas.microsoft.com/office/drawing/2014/main" val="10000"/>
-                  </a:ext>
-                </a:extLst>
-              </a:tr>
-            </a:tbl>
-          </a:graphicData>
-        </a:graphic>
-      </p:graphicFrame>
-      <p:graphicFrame>
-        <p:nvGraphicFramePr>
-          <p:cNvPr id="14" name="Table 13"/>
-          <p:cNvGraphicFramePr>
-            <a:graphicFrameLocks noGrp="1"/>
-          </p:cNvGraphicFramePr>
-          <p:nvPr>
-            <p:extLst>
-              <p:ext uri="{D42A27DB-BD31-4B8C-83A1-F6EECF244321}">
-                <p14:modId xmlns:p14="http://schemas.microsoft.com/office/powerpoint/2010/main" val="1985866564"/>
-              </p:ext>
-            </p:extLst>
-          </p:nvPr>
-        </p:nvGraphicFramePr>
-        <p:xfrm>
-          <a:off x="5686118" y="4467636"/>
-          <a:ext cx="1968138" cy="396240"/>
-        </p:xfrm>
-        <a:graphic>
-          <a:graphicData uri="http://schemas.openxmlformats.org/drawingml/2006/table">
-            <a:tbl>
-              <a:tblPr bandRow="1">
-                <a:tableStyleId>{5C22544A-7EE6-4342-B048-85BDC9FD1C3A}</a:tableStyleId>
-              </a:tblPr>
-              <a:tblGrid>
-                <a:gridCol w="984069">
-                  <a:extLst>
-                    <a:ext uri="{9D8B030D-6E8A-4147-A177-3AD203B41FA5}">
-                      <a16:colId xmlns:a16="http://schemas.microsoft.com/office/drawing/2014/main" val="20000"/>
-                    </a:ext>
-                  </a:extLst>
-                </a:gridCol>
-                <a:gridCol w="984069">
-                  <a:extLst>
-                    <a:ext uri="{9D8B030D-6E8A-4147-A177-3AD203B41FA5}">
-                      <a16:colId xmlns:a16="http://schemas.microsoft.com/office/drawing/2014/main" val="20001"/>
-                    </a:ext>
-                  </a:extLst>
-                </a:gridCol>
-              </a:tblGrid>
-              <a:tr h="370840">
-                <a:tc>
-                  <a:txBody>
-                    <a:bodyPr/>
-                    <a:lstStyle/>
-                    <a:p>
-                      <a:pPr algn="ctr"/>
-                      <a:r>
-                        <a:rPr lang="en-US" b="1" dirty="0">
-                          <a:solidFill>
-                            <a:srgbClr val="002060"/>
-                          </a:solidFill>
-                        </a:rPr>
-                        <a:t>4</a:t>
-                      </a:r>
-                    </a:p>
-                  </a:txBody>
-                  <a:tcPr>
-                    <a:solidFill>
-                      <a:schemeClr val="accent1">
-                        <a:lumMod val="40000"/>
-                        <a:lumOff val="60000"/>
-                      </a:schemeClr>
-                    </a:solidFill>
-                  </a:tcPr>
-                </a:tc>
-                <a:tc>
-                  <a:txBody>
-                    <a:bodyPr/>
-                    <a:lstStyle/>
-                    <a:p>
-                      <a:pPr algn="ctr"/>
-                      <a:r>
-                        <a:rPr lang="en-US" b="1" dirty="0">
-                          <a:solidFill>
-                            <a:srgbClr val="002060"/>
-                          </a:solidFill>
-                        </a:rPr>
-                        <a:t>5</a:t>
-                      </a:r>
-                    </a:p>
-                  </a:txBody>
-                  <a:tcPr>
-                    <a:solidFill>
-                      <a:schemeClr val="accent6"/>
-                    </a:solidFill>
-                  </a:tcPr>
-                </a:tc>
-                <a:extLst>
-                  <a:ext uri="{0D108BD9-81ED-4DB2-BD59-A6C34878D82A}">
-                    <a16:rowId xmlns:a16="http://schemas.microsoft.com/office/drawing/2014/main" val="10000"/>
-                  </a:ext>
-                </a:extLst>
-              </a:tr>
-            </a:tbl>
-          </a:graphicData>
-        </a:graphic>
-      </p:graphicFrame>
-      <p:graphicFrame>
-        <p:nvGraphicFramePr>
-          <p:cNvPr id="15" name="Table 14"/>
-          <p:cNvGraphicFramePr>
-            <a:graphicFrameLocks noGrp="1"/>
-          </p:cNvGraphicFramePr>
-          <p:nvPr>
-            <p:extLst>
-              <p:ext uri="{D42A27DB-BD31-4B8C-83A1-F6EECF244321}">
-                <p14:modId xmlns:p14="http://schemas.microsoft.com/office/powerpoint/2010/main" val="268499474"/>
-              </p:ext>
-            </p:extLst>
-          </p:nvPr>
-        </p:nvGraphicFramePr>
-        <p:xfrm>
-          <a:off x="2749568" y="6560242"/>
-          <a:ext cx="4872445" cy="396240"/>
-        </p:xfrm>
-        <a:graphic>
-          <a:graphicData uri="http://schemas.openxmlformats.org/drawingml/2006/table">
-            <a:tbl>
-              <a:tblPr firstRow="1" bandRow="1">
-                <a:tableStyleId>{5C22544A-7EE6-4342-B048-85BDC9FD1C3A}</a:tableStyleId>
-              </a:tblPr>
-              <a:tblGrid>
-                <a:gridCol w="974489">
-                  <a:extLst>
-                    <a:ext uri="{9D8B030D-6E8A-4147-A177-3AD203B41FA5}">
-                      <a16:colId xmlns:a16="http://schemas.microsoft.com/office/drawing/2014/main" val="20000"/>
-                    </a:ext>
-                  </a:extLst>
-                </a:gridCol>
-                <a:gridCol w="974489">
-                  <a:extLst>
-                    <a:ext uri="{9D8B030D-6E8A-4147-A177-3AD203B41FA5}">
-                      <a16:colId xmlns:a16="http://schemas.microsoft.com/office/drawing/2014/main" val="20001"/>
-                    </a:ext>
-                  </a:extLst>
-                </a:gridCol>
-                <a:gridCol w="974489">
-                  <a:extLst>
-                    <a:ext uri="{9D8B030D-6E8A-4147-A177-3AD203B41FA5}">
-                      <a16:colId xmlns:a16="http://schemas.microsoft.com/office/drawing/2014/main" val="20002"/>
-                    </a:ext>
-                  </a:extLst>
-                </a:gridCol>
-                <a:gridCol w="974489">
-                  <a:extLst>
-                    <a:ext uri="{9D8B030D-6E8A-4147-A177-3AD203B41FA5}">
-                      <a16:colId xmlns:a16="http://schemas.microsoft.com/office/drawing/2014/main" val="20003"/>
-                    </a:ext>
-                  </a:extLst>
-                </a:gridCol>
-                <a:gridCol w="974489">
-                  <a:extLst>
-                    <a:ext uri="{9D8B030D-6E8A-4147-A177-3AD203B41FA5}">
-                      <a16:colId xmlns:a16="http://schemas.microsoft.com/office/drawing/2014/main" val="20004"/>
-                    </a:ext>
-                  </a:extLst>
-                </a:gridCol>
-              </a:tblGrid>
-              <a:tr h="0">
-                <a:tc>
-                  <a:txBody>
-                    <a:bodyPr/>
-                    <a:lstStyle/>
-                    <a:p>
-                      <a:pPr algn="ctr"/>
-                      <a:r>
-                        <a:rPr lang="en-US" dirty="0">
-                          <a:solidFill>
-                            <a:srgbClr val="002060"/>
-                          </a:solidFill>
-                        </a:rPr>
-                        <a:t>1</a:t>
-                      </a:r>
-                    </a:p>
-                  </a:txBody>
-                  <a:tcPr>
-                    <a:solidFill>
-                      <a:schemeClr val="accent6"/>
-                    </a:solidFill>
-                  </a:tcPr>
-                </a:tc>
-                <a:tc>
-                  <a:txBody>
-                    <a:bodyPr/>
-                    <a:lstStyle/>
-                    <a:p>
-                      <a:pPr algn="ctr"/>
-                      <a:r>
-                        <a:rPr lang="en-US" dirty="0">
-                          <a:solidFill>
-                            <a:srgbClr val="002060"/>
-                          </a:solidFill>
-                        </a:rPr>
-                        <a:t>2</a:t>
-                      </a:r>
-                    </a:p>
-                  </a:txBody>
-                  <a:tcPr>
-                    <a:solidFill>
-                      <a:schemeClr val="accent6"/>
-                    </a:solidFill>
-                  </a:tcPr>
-                </a:tc>
-                <a:tc>
-                  <a:txBody>
-                    <a:bodyPr/>
-                    <a:lstStyle/>
-                    <a:p>
-                      <a:pPr algn="ctr"/>
-                      <a:r>
-                        <a:rPr lang="en-US" dirty="0">
-                          <a:solidFill>
-                            <a:srgbClr val="002060"/>
-                          </a:solidFill>
-                        </a:rPr>
-                        <a:t>3</a:t>
-                      </a:r>
-                    </a:p>
-                  </a:txBody>
-                  <a:tcPr>
-                    <a:solidFill>
-                      <a:schemeClr val="accent6"/>
-                    </a:solidFill>
-                  </a:tcPr>
-                </a:tc>
-                <a:tc>
-                  <a:txBody>
-                    <a:bodyPr/>
-                    <a:lstStyle/>
-                    <a:p>
-                      <a:pPr algn="ctr"/>
-                      <a:r>
-                        <a:rPr lang="en-US" dirty="0">
-                          <a:solidFill>
-                            <a:srgbClr val="002060"/>
-                          </a:solidFill>
-                        </a:rPr>
-                        <a:t>4</a:t>
-                      </a:r>
-                    </a:p>
-                  </a:txBody>
-                  <a:tcPr>
-                    <a:solidFill>
-                      <a:schemeClr val="accent6"/>
-                    </a:solidFill>
-                  </a:tcPr>
-                </a:tc>
-                <a:tc>
-                  <a:txBody>
-                    <a:bodyPr/>
-                    <a:lstStyle/>
-                    <a:p>
-                      <a:pPr algn="ctr"/>
-                      <a:r>
-                        <a:rPr lang="en-US" dirty="0">
-                          <a:solidFill>
-                            <a:srgbClr val="002060"/>
-                          </a:solidFill>
-                        </a:rPr>
-                        <a:t>5</a:t>
-                      </a:r>
-                    </a:p>
-                  </a:txBody>
-                  <a:tcPr>
-                    <a:solidFill>
-                      <a:schemeClr val="accent6"/>
-                    </a:solidFill>
-                  </a:tcPr>
-                </a:tc>
-                <a:extLst>
-                  <a:ext uri="{0D108BD9-81ED-4DB2-BD59-A6C34878D82A}">
-                    <a16:rowId xmlns:a16="http://schemas.microsoft.com/office/drawing/2014/main" val="10000"/>
-                  </a:ext>
-                </a:extLst>
-              </a:tr>
-            </a:tbl>
-          </a:graphicData>
-        </a:graphic>
-      </p:graphicFrame>
-      <p:graphicFrame>
-        <p:nvGraphicFramePr>
-          <p:cNvPr id="11" name="Table 10"/>
-          <p:cNvGraphicFramePr>
-            <a:graphicFrameLocks noGrp="1"/>
-          </p:cNvGraphicFramePr>
-          <p:nvPr>
-            <p:extLst>
-              <p:ext uri="{D42A27DB-BD31-4B8C-83A1-F6EECF244321}">
-                <p14:modId xmlns:p14="http://schemas.microsoft.com/office/powerpoint/2010/main" val="1168872314"/>
-              </p:ext>
-            </p:extLst>
-          </p:nvPr>
-        </p:nvGraphicFramePr>
-        <p:xfrm>
-          <a:off x="2739967" y="5513939"/>
-          <a:ext cx="974468" cy="396240"/>
-        </p:xfrm>
-        <a:graphic>
-          <a:graphicData uri="http://schemas.openxmlformats.org/drawingml/2006/table">
-            <a:tbl>
-              <a:tblPr firstRow="1" bandRow="1">
-                <a:tableStyleId>{5C22544A-7EE6-4342-B048-85BDC9FD1C3A}</a:tableStyleId>
-              </a:tblPr>
-              <a:tblGrid>
-                <a:gridCol w="974468">
-                  <a:extLst>
-                    <a:ext uri="{9D8B030D-6E8A-4147-A177-3AD203B41FA5}">
-                      <a16:colId xmlns:a16="http://schemas.microsoft.com/office/drawing/2014/main" val="20000"/>
-                    </a:ext>
-                  </a:extLst>
-                </a:gridCol>
-              </a:tblGrid>
-              <a:tr h="370840">
-                <a:tc>
-                  <a:txBody>
-                    <a:bodyPr/>
-                    <a:lstStyle/>
-                    <a:p>
-                      <a:pPr algn="ctr"/>
-                      <a:r>
-                        <a:rPr lang="en-US" dirty="0">
-                          <a:solidFill>
-                            <a:srgbClr val="002060"/>
-                          </a:solidFill>
-                        </a:rPr>
-                        <a:t>1</a:t>
-                      </a:r>
-                    </a:p>
-                  </a:txBody>
-                  <a:tcPr>
-                    <a:solidFill>
-                      <a:schemeClr val="accent6"/>
-                    </a:solidFill>
-                  </a:tcPr>
-                </a:tc>
-                <a:extLst>
-                  <a:ext uri="{0D108BD9-81ED-4DB2-BD59-A6C34878D82A}">
-                    <a16:rowId xmlns:a16="http://schemas.microsoft.com/office/drawing/2014/main" val="10000"/>
-                  </a:ext>
-                </a:extLst>
-              </a:tr>
-            </a:tbl>
-          </a:graphicData>
-        </a:graphic>
-      </p:graphicFrame>
-      <p:graphicFrame>
-        <p:nvGraphicFramePr>
-          <p:cNvPr id="17" name="Table 16"/>
-          <p:cNvGraphicFramePr>
-            <a:graphicFrameLocks noGrp="1"/>
-          </p:cNvGraphicFramePr>
-          <p:nvPr>
-            <p:extLst>
-              <p:ext uri="{D42A27DB-BD31-4B8C-83A1-F6EECF244321}">
-                <p14:modId xmlns:p14="http://schemas.microsoft.com/office/powerpoint/2010/main" val="56578642"/>
-              </p:ext>
-            </p:extLst>
-          </p:nvPr>
-        </p:nvGraphicFramePr>
-        <p:xfrm>
-          <a:off x="5686118" y="5513939"/>
-          <a:ext cx="974468" cy="396240"/>
-        </p:xfrm>
-        <a:graphic>
-          <a:graphicData uri="http://schemas.openxmlformats.org/drawingml/2006/table">
-            <a:tbl>
-              <a:tblPr firstRow="1" bandRow="1">
-                <a:tableStyleId>{5C22544A-7EE6-4342-B048-85BDC9FD1C3A}</a:tableStyleId>
-              </a:tblPr>
-              <a:tblGrid>
-                <a:gridCol w="974468">
-                  <a:extLst>
-                    <a:ext uri="{9D8B030D-6E8A-4147-A177-3AD203B41FA5}">
-                      <a16:colId xmlns:a16="http://schemas.microsoft.com/office/drawing/2014/main" val="20000"/>
-                    </a:ext>
-                  </a:extLst>
-                </a:gridCol>
-              </a:tblGrid>
-              <a:tr h="370840">
-                <a:tc>
-                  <a:txBody>
-                    <a:bodyPr/>
-                    <a:lstStyle/>
-                    <a:p>
-                      <a:pPr algn="ctr"/>
-                      <a:r>
-                        <a:rPr lang="en-US" dirty="0">
-                          <a:solidFill>
-                            <a:srgbClr val="002060"/>
-                          </a:solidFill>
-                        </a:rPr>
-                        <a:t>4</a:t>
-                      </a:r>
-                    </a:p>
-                  </a:txBody>
-                  <a:tcPr>
-                    <a:solidFill>
-                      <a:schemeClr val="accent6"/>
-                    </a:solidFill>
-                  </a:tcPr>
-                </a:tc>
-                <a:extLst>
-                  <a:ext uri="{0D108BD9-81ED-4DB2-BD59-A6C34878D82A}">
-                    <a16:rowId xmlns:a16="http://schemas.microsoft.com/office/drawing/2014/main" val="10000"/>
-                  </a:ext>
-                </a:extLst>
-              </a:tr>
-            </a:tbl>
-          </a:graphicData>
-        </a:graphic>
-      </p:graphicFrame>
-      <p:grpSp>
-        <p:nvGrpSpPr>
-          <p:cNvPr id="40" name="Group 39"/>
-          <p:cNvGrpSpPr/>
-          <p:nvPr/>
-        </p:nvGrpSpPr>
-        <p:grpSpPr>
-          <a:xfrm>
-            <a:off x="2446119" y="1859412"/>
-            <a:ext cx="1692195" cy="553010"/>
-            <a:chOff x="2446119" y="1730820"/>
-            <a:chExt cx="1692195" cy="553010"/>
-          </a:xfrm>
-        </p:grpSpPr>
-        <p:sp>
-          <p:nvSpPr>
-            <p:cNvPr id="13" name="TextBox 12"/>
-            <p:cNvSpPr txBox="1"/>
-            <p:nvPr/>
-          </p:nvSpPr>
-          <p:spPr>
-            <a:xfrm>
-              <a:off x="2446119" y="1730820"/>
-              <a:ext cx="1692195" cy="369332"/>
-            </a:xfrm>
-            <a:prstGeom prst="rect">
-              <a:avLst/>
-            </a:prstGeom>
-            <a:noFill/>
-          </p:spPr>
-          <p:txBody>
-            <a:bodyPr wrap="none" rtlCol="0">
-              <a:spAutoFit/>
-            </a:bodyPr>
-            <a:lstStyle/>
-            <a:p>
-              <a:r>
-                <a:rPr lang="en-US" sz="1800" b="1" dirty="0"/>
-                <a:t>Pivot Element p</a:t>
-              </a:r>
-            </a:p>
-          </p:txBody>
-        </p:sp>
-        <p:sp>
-          <p:nvSpPr>
-            <p:cNvPr id="16" name="Down Arrow 15"/>
-            <p:cNvSpPr/>
-            <p:nvPr/>
-          </p:nvSpPr>
-          <p:spPr>
-            <a:xfrm>
-              <a:off x="3150079" y="2077353"/>
-              <a:ext cx="114916" cy="206477"/>
-            </a:xfrm>
-            <a:prstGeom prst="downArrow">
-              <a:avLst/>
-            </a:prstGeom>
-          </p:spPr>
-          <p:style>
-            <a:lnRef idx="1">
-              <a:schemeClr val="accent1"/>
-            </a:lnRef>
-            <a:fillRef idx="3">
-              <a:schemeClr val="accent1"/>
-            </a:fillRef>
-            <a:effectRef idx="2">
-              <a:schemeClr val="accent1"/>
-            </a:effectRef>
-            <a:fontRef idx="minor">
-              <a:schemeClr val="lt1"/>
-            </a:fontRef>
-          </p:style>
-          <p:txBody>
-            <a:bodyPr rtlCol="0" anchor="ctr"/>
-            <a:lstStyle/>
-            <a:p>
-              <a:pPr algn="ctr"/>
-              <a:endParaRPr lang="en-US"/>
-            </a:p>
-          </p:txBody>
-        </p:sp>
-      </p:grpSp>
-      <p:cxnSp>
-        <p:nvCxnSpPr>
-          <p:cNvPr id="20" name="Straight Arrow Connector 19"/>
-          <p:cNvCxnSpPr/>
-          <p:nvPr/>
-        </p:nvCxnSpPr>
-        <p:spPr>
-          <a:xfrm>
-            <a:off x="2749568" y="3323928"/>
-            <a:ext cx="1920240" cy="0"/>
-          </a:xfrm>
-          <a:prstGeom prst="straightConnector1">
-            <a:avLst/>
-          </a:prstGeom>
-          <a:ln w="31750">
-            <a:headEnd type="triangle"/>
-            <a:tailEnd type="triangle"/>
-          </a:ln>
-        </p:spPr>
-        <p:style>
-          <a:lnRef idx="2">
-            <a:schemeClr val="accent1"/>
-          </a:lnRef>
-          <a:fillRef idx="0">
-            <a:schemeClr val="accent1"/>
-          </a:fillRef>
-          <a:effectRef idx="1">
-            <a:schemeClr val="accent1"/>
-          </a:effectRef>
-          <a:fontRef idx="minor">
-            <a:schemeClr val="tx1"/>
-          </a:fontRef>
-        </p:style>
-      </p:cxnSp>
-      <p:cxnSp>
-        <p:nvCxnSpPr>
-          <p:cNvPr id="29" name="Straight Arrow Connector 28"/>
-          <p:cNvCxnSpPr/>
-          <p:nvPr/>
-        </p:nvCxnSpPr>
-        <p:spPr>
-          <a:xfrm>
-            <a:off x="5686118" y="3323928"/>
-            <a:ext cx="1920240" cy="0"/>
-          </a:xfrm>
-          <a:prstGeom prst="straightConnector1">
-            <a:avLst/>
-          </a:prstGeom>
-          <a:ln w="31750">
-            <a:headEnd type="triangle"/>
-            <a:tailEnd type="triangle"/>
-          </a:ln>
-        </p:spPr>
-        <p:style>
-          <a:lnRef idx="2">
-            <a:schemeClr val="accent1"/>
-          </a:lnRef>
-          <a:fillRef idx="0">
-            <a:schemeClr val="accent1"/>
-          </a:fillRef>
-          <a:effectRef idx="1">
-            <a:schemeClr val="accent1"/>
-          </a:effectRef>
-          <a:fontRef idx="minor">
-            <a:schemeClr val="tx1"/>
-          </a:fontRef>
-        </p:style>
-      </p:cxnSp>
-      <p:sp>
-        <p:nvSpPr>
-          <p:cNvPr id="30" name="TextBox 29"/>
-          <p:cNvSpPr txBox="1"/>
-          <p:nvPr/>
-        </p:nvSpPr>
-        <p:spPr>
-          <a:xfrm>
-            <a:off x="3488061" y="2960562"/>
-            <a:ext cx="421910" cy="369332"/>
-          </a:xfrm>
-          <a:prstGeom prst="rect">
-            <a:avLst/>
-          </a:prstGeom>
-          <a:noFill/>
-        </p:spPr>
-        <p:txBody>
-          <a:bodyPr wrap="none" rtlCol="0">
-            <a:spAutoFit/>
-          </a:bodyPr>
-          <a:lstStyle/>
-          <a:p>
-            <a:r>
-              <a:rPr lang="en-US" sz="1800" b="1" dirty="0"/>
-              <a:t>&lt;p</a:t>
-            </a:r>
-          </a:p>
-        </p:txBody>
-      </p:sp>
-      <p:sp>
-        <p:nvSpPr>
-          <p:cNvPr id="31" name="TextBox 30"/>
-          <p:cNvSpPr txBox="1"/>
-          <p:nvPr/>
-        </p:nvSpPr>
-        <p:spPr>
-          <a:xfrm>
-            <a:off x="6435283" y="2962496"/>
-            <a:ext cx="421910" cy="369332"/>
-          </a:xfrm>
-          <a:prstGeom prst="rect">
-            <a:avLst/>
-          </a:prstGeom>
-          <a:noFill/>
-        </p:spPr>
-        <p:txBody>
-          <a:bodyPr wrap="none" rtlCol="0">
-            <a:spAutoFit/>
-          </a:bodyPr>
-          <a:lstStyle/>
-          <a:p>
-            <a:r>
-              <a:rPr lang="en-US" sz="1800" b="1" dirty="0"/>
-              <a:t>&gt;p</a:t>
-            </a:r>
-          </a:p>
-        </p:txBody>
-      </p:sp>
-      <p:cxnSp>
-        <p:nvCxnSpPr>
-          <p:cNvPr id="28" name="Straight Arrow Connector 27"/>
-          <p:cNvCxnSpPr/>
-          <p:nvPr/>
-        </p:nvCxnSpPr>
-        <p:spPr>
-          <a:xfrm flipH="1">
-            <a:off x="3724036" y="3805998"/>
-            <a:ext cx="1430383" cy="650063"/>
-          </a:xfrm>
-          <a:prstGeom prst="straightConnector1">
-            <a:avLst/>
-          </a:prstGeom>
-          <a:ln w="31750">
-            <a:tailEnd type="triangle"/>
-          </a:ln>
-        </p:spPr>
-        <p:style>
-          <a:lnRef idx="2">
-            <a:schemeClr val="accent1"/>
-          </a:lnRef>
-          <a:fillRef idx="0">
-            <a:schemeClr val="accent1"/>
-          </a:fillRef>
-          <a:effectRef idx="1">
-            <a:schemeClr val="accent1"/>
-          </a:effectRef>
-          <a:fontRef idx="minor">
-            <a:schemeClr val="tx1"/>
-          </a:fontRef>
-        </p:style>
-      </p:cxnSp>
-      <p:cxnSp>
-        <p:nvCxnSpPr>
-          <p:cNvPr id="33" name="Straight Arrow Connector 32"/>
-          <p:cNvCxnSpPr/>
-          <p:nvPr/>
-        </p:nvCxnSpPr>
-        <p:spPr>
-          <a:xfrm>
-            <a:off x="5154419" y="3794423"/>
-            <a:ext cx="1515768" cy="661638"/>
-          </a:xfrm>
-          <a:prstGeom prst="straightConnector1">
-            <a:avLst/>
-          </a:prstGeom>
-          <a:ln w="31750">
-            <a:tailEnd type="triangle"/>
-          </a:ln>
-        </p:spPr>
-        <p:style>
-          <a:lnRef idx="2">
-            <a:schemeClr val="accent1"/>
-          </a:lnRef>
-          <a:fillRef idx="0">
-            <a:schemeClr val="accent1"/>
-          </a:fillRef>
-          <a:effectRef idx="1">
-            <a:schemeClr val="accent1"/>
-          </a:effectRef>
-          <a:fontRef idx="minor">
-            <a:schemeClr val="tx1"/>
-          </a:fontRef>
-        </p:style>
-      </p:cxnSp>
-      <p:cxnSp>
-        <p:nvCxnSpPr>
-          <p:cNvPr id="35" name="Straight Arrow Connector 34"/>
-          <p:cNvCxnSpPr>
-            <a:endCxn id="11" idx="0"/>
-          </p:cNvCxnSpPr>
-          <p:nvPr/>
-        </p:nvCxnSpPr>
-        <p:spPr>
-          <a:xfrm>
-            <a:off x="3227201" y="4863876"/>
-            <a:ext cx="0" cy="650063"/>
-          </a:xfrm>
-          <a:prstGeom prst="straightConnector1">
-            <a:avLst/>
-          </a:prstGeom>
-          <a:ln w="31750">
-            <a:tailEnd type="triangle"/>
-          </a:ln>
-        </p:spPr>
-        <p:style>
-          <a:lnRef idx="2">
-            <a:schemeClr val="accent1"/>
-          </a:lnRef>
-          <a:fillRef idx="0">
-            <a:schemeClr val="accent1"/>
-          </a:fillRef>
-          <a:effectRef idx="1">
-            <a:schemeClr val="accent1"/>
-          </a:effectRef>
-          <a:fontRef idx="minor">
-            <a:schemeClr val="tx1"/>
-          </a:fontRef>
-        </p:style>
-      </p:cxnSp>
-      <p:cxnSp>
-        <p:nvCxnSpPr>
-          <p:cNvPr id="38" name="Straight Arrow Connector 37"/>
-          <p:cNvCxnSpPr/>
-          <p:nvPr/>
-        </p:nvCxnSpPr>
-        <p:spPr>
-          <a:xfrm>
-            <a:off x="6173352" y="4863875"/>
-            <a:ext cx="0" cy="650063"/>
-          </a:xfrm>
-          <a:prstGeom prst="straightConnector1">
-            <a:avLst/>
-          </a:prstGeom>
-          <a:ln w="31750">
-            <a:tailEnd type="triangle"/>
-          </a:ln>
-        </p:spPr>
-        <p:style>
-          <a:lnRef idx="2">
-            <a:schemeClr val="accent1"/>
-          </a:lnRef>
-          <a:fillRef idx="0">
-            <a:schemeClr val="accent1"/>
-          </a:fillRef>
-          <a:effectRef idx="1">
-            <a:schemeClr val="accent1"/>
-          </a:effectRef>
-          <a:fontRef idx="minor">
-            <a:schemeClr val="tx1"/>
-          </a:fontRef>
-        </p:style>
-      </p:cxnSp>
-      <p:sp>
-        <p:nvSpPr>
-          <p:cNvPr id="39" name="TextBox 38"/>
-          <p:cNvSpPr txBox="1"/>
-          <p:nvPr/>
-        </p:nvSpPr>
-        <p:spPr>
-          <a:xfrm>
-            <a:off x="9647865" y="6614042"/>
-            <a:ext cx="314510" cy="400110"/>
-          </a:xfrm>
-          <a:prstGeom prst="rect">
-            <a:avLst/>
-          </a:prstGeom>
-          <a:noFill/>
-        </p:spPr>
-        <p:txBody>
-          <a:bodyPr wrap="none" rtlCol="0">
-            <a:spAutoFit/>
-          </a:bodyPr>
-          <a:lstStyle/>
-          <a:p>
-            <a:r>
-              <a:rPr lang="en-US" dirty="0"/>
-              <a:t>8</a:t>
-            </a:r>
-          </a:p>
-        </p:txBody>
-      </p:sp>
-      <p:sp>
-        <p:nvSpPr>
-          <p:cNvPr id="41" name="TextBox 40"/>
-          <p:cNvSpPr txBox="1"/>
-          <p:nvPr/>
-        </p:nvSpPr>
-        <p:spPr>
-          <a:xfrm>
-            <a:off x="4483820" y="6190910"/>
-            <a:ext cx="1384738" cy="369332"/>
-          </a:xfrm>
-          <a:prstGeom prst="rect">
-            <a:avLst/>
-          </a:prstGeom>
-          <a:noFill/>
-        </p:spPr>
-        <p:txBody>
-          <a:bodyPr wrap="none" rtlCol="0">
-            <a:spAutoFit/>
-          </a:bodyPr>
-          <a:lstStyle/>
-          <a:p>
-            <a:r>
-              <a:rPr lang="en-US" sz="1800" b="1" dirty="0"/>
-              <a:t>Sorted Array</a:t>
-            </a:r>
-          </a:p>
-        </p:txBody>
-      </p:sp>
-    </p:spTree>
-    <p:extLst>
-      <p:ext uri="{BB962C8B-B14F-4D97-AF65-F5344CB8AC3E}">
-        <p14:creationId xmlns:p14="http://schemas.microsoft.com/office/powerpoint/2010/main" val="1413624685"/>
-      </p:ext>
-    </p:extLst>
-  </p:cSld>
-  <p:clrMapOvr>
-    <a:masterClrMapping/>
-  </p:clrMapOvr>
-</p:sld>
-</file>
-
-<file path=ppt/slides/slide18.xml><?xml version="1.0" encoding="utf-8"?>
-<p:sld xmlns:a="http://schemas.openxmlformats.org/drawingml/2006/main" xmlns:r="http://schemas.openxmlformats.org/officeDocument/2006/relationships" xmlns:p="http://schemas.openxmlformats.org/presentationml/2006/main">
-  <p:cSld>
-    <p:spTree>
-      <p:nvGrpSpPr>
-        <p:cNvPr id="1" name=""/>
-        <p:cNvGrpSpPr/>
-        <p:nvPr/>
-      </p:nvGrpSpPr>
-      <p:grpSpPr>
-        <a:xfrm>
-          <a:off x="0" y="0"/>
-          <a:ext cx="0" cy="0"/>
-          <a:chOff x="0" y="0"/>
-          <a:chExt cx="0" cy="0"/>
-        </a:xfrm>
-      </p:grpSpPr>
-      <p:sp>
-        <p:nvSpPr>
-          <p:cNvPr id="2" name="Text Placeholder 1"/>
-          <p:cNvSpPr>
-            <a:spLocks noGrp="1"/>
-          </p:cNvSpPr>
-          <p:nvPr>
-            <p:ph type="body" sz="quarter" idx="10"/>
-          </p:nvPr>
-        </p:nvSpPr>
-        <p:spPr>
-          <a:xfrm>
-            <a:off x="444500" y="301941"/>
-            <a:ext cx="9245600" cy="742950"/>
-          </a:xfrm>
-        </p:spPr>
-        <p:txBody>
-          <a:bodyPr/>
-          <a:lstStyle/>
-          <a:p>
-            <a:r>
-              <a:rPr lang="en-US" dirty="0"/>
-              <a:t>Quick Sort</a:t>
-            </a:r>
-          </a:p>
-        </p:txBody>
-      </p:sp>
-      <p:sp>
-        <p:nvSpPr>
-          <p:cNvPr id="3" name="Text Placeholder 2"/>
-          <p:cNvSpPr>
-            <a:spLocks noGrp="1"/>
-          </p:cNvSpPr>
-          <p:nvPr>
-            <p:ph type="body" sz="quarter" idx="12"/>
-          </p:nvPr>
-        </p:nvSpPr>
-        <p:spPr>
-          <a:xfrm>
-            <a:off x="415924" y="901335"/>
-            <a:ext cx="9385300" cy="5249817"/>
-          </a:xfrm>
-        </p:spPr>
-        <p:txBody>
-          <a:bodyPr/>
-          <a:lstStyle/>
-          <a:p>
-            <a:pPr marL="0" indent="0" defTabSz="914400">
-              <a:spcBef>
-                <a:spcPts val="0"/>
-              </a:spcBef>
-              <a:buNone/>
-              <a:defRPr/>
-            </a:pPr>
-            <a:r>
-              <a:rPr lang="en-US" sz="1800" dirty="0">
-                <a:latin typeface="Courier" charset="0"/>
-                <a:ea typeface="Courier" charset="0"/>
-                <a:cs typeface="Courier" charset="0"/>
-              </a:rPr>
-              <a:t>/* Assume partition() function is given and it returns the index of the pivot after partitioning. */</a:t>
-            </a:r>
-          </a:p>
-          <a:p>
-            <a:pPr marL="0" lvl="0" indent="0" defTabSz="914400">
-              <a:spcBef>
-                <a:spcPts val="0"/>
-              </a:spcBef>
-              <a:buNone/>
-              <a:defRPr/>
-            </a:pPr>
-            <a:r>
-              <a:rPr lang="en-US" sz="1800" b="1" dirty="0">
-                <a:latin typeface="Courier" charset="0"/>
-                <a:ea typeface="Courier" charset="0"/>
-                <a:cs typeface="Courier" charset="0"/>
-              </a:rPr>
-              <a:t>int partition(int array[], int start, int end);</a:t>
-            </a:r>
-          </a:p>
-          <a:p>
-            <a:pPr marL="0" indent="0" defTabSz="914400">
-              <a:spcBef>
-                <a:spcPts val="0"/>
-              </a:spcBef>
-              <a:buNone/>
-              <a:defRPr/>
-            </a:pPr>
-            <a:endParaRPr lang="en-US" sz="800" dirty="0">
-              <a:latin typeface="Courier" charset="0"/>
-              <a:ea typeface="Courier" charset="0"/>
-              <a:cs typeface="Courier" charset="0"/>
-            </a:endParaRPr>
-          </a:p>
-          <a:p>
-            <a:pPr marL="0" indent="0" defTabSz="914400">
-              <a:spcBef>
-                <a:spcPts val="0"/>
-              </a:spcBef>
-              <a:buNone/>
-              <a:defRPr/>
-            </a:pPr>
-            <a:r>
-              <a:rPr lang="en-US" sz="1800" dirty="0">
-                <a:latin typeface="Courier" charset="0"/>
-                <a:ea typeface="Courier" charset="0"/>
-                <a:cs typeface="Courier" charset="0"/>
-              </a:rPr>
-              <a:t>/* This function takes 3 arguments: a pointer to the array, the start index of the array and the end index of the array. */</a:t>
-            </a:r>
-            <a:endParaRPr lang="en-US" sz="800" dirty="0">
-              <a:latin typeface="Courier" charset="0"/>
-              <a:ea typeface="Courier" charset="0"/>
-              <a:cs typeface="Courier" charset="0"/>
-            </a:endParaRPr>
-          </a:p>
-          <a:p>
-            <a:pPr marL="0" lvl="0" indent="0" defTabSz="914400">
-              <a:spcBef>
-                <a:spcPts val="0"/>
-              </a:spcBef>
-              <a:buNone/>
-              <a:defRPr/>
-            </a:pPr>
-            <a:r>
-              <a:rPr lang="en-US" sz="1800" b="1" dirty="0">
-                <a:latin typeface="Courier" charset="0"/>
-                <a:ea typeface="Courier" charset="0"/>
-                <a:cs typeface="Courier" charset="0"/>
-              </a:rPr>
-              <a:t>void quicksort(int array[], int start, int end){</a:t>
-            </a:r>
-          </a:p>
-          <a:p>
-            <a:pPr marL="0" lvl="0" indent="0" defTabSz="914400">
-              <a:spcBef>
-                <a:spcPts val="0"/>
-              </a:spcBef>
-              <a:buNone/>
-              <a:defRPr/>
-            </a:pPr>
-            <a:endParaRPr lang="en-US" sz="1000" b="1" dirty="0">
-              <a:latin typeface="Courier" charset="0"/>
-              <a:ea typeface="Courier" charset="0"/>
-              <a:cs typeface="Courier" charset="0"/>
-            </a:endParaRPr>
-          </a:p>
-          <a:p>
-            <a:pPr marL="0" lvl="0" indent="0" defTabSz="914400">
-              <a:spcBef>
-                <a:spcPts val="0"/>
-              </a:spcBef>
-              <a:buNone/>
-              <a:defRPr/>
-            </a:pPr>
-            <a:endParaRPr lang="en-US" sz="1800" b="1" dirty="0">
-              <a:latin typeface="Courier" charset="0"/>
-              <a:ea typeface="Courier" charset="0"/>
-              <a:cs typeface="Courier" charset="0"/>
-            </a:endParaRPr>
-          </a:p>
-          <a:p>
-            <a:pPr marL="0" lvl="0" indent="0" defTabSz="914400">
-              <a:spcBef>
-                <a:spcPts val="0"/>
-              </a:spcBef>
-              <a:buNone/>
-              <a:defRPr/>
-            </a:pPr>
-            <a:endParaRPr lang="en-US" sz="1800" b="1" dirty="0">
-              <a:latin typeface="Courier" charset="0"/>
-              <a:ea typeface="Courier" charset="0"/>
-              <a:cs typeface="Courier" charset="0"/>
-            </a:endParaRPr>
-          </a:p>
-          <a:p>
-            <a:pPr marL="0" lvl="0" indent="0" defTabSz="914400">
-              <a:spcBef>
-                <a:spcPts val="0"/>
-              </a:spcBef>
-              <a:buNone/>
-              <a:defRPr/>
-            </a:pPr>
-            <a:endParaRPr lang="en-US" sz="1800" b="1" dirty="0">
-              <a:latin typeface="Courier" charset="0"/>
-              <a:ea typeface="Courier" charset="0"/>
-              <a:cs typeface="Courier" charset="0"/>
-            </a:endParaRPr>
-          </a:p>
-          <a:p>
-            <a:pPr marL="0" lvl="0" indent="0" defTabSz="914400">
-              <a:spcBef>
-                <a:spcPts val="0"/>
-              </a:spcBef>
-              <a:buNone/>
-              <a:defRPr/>
-            </a:pPr>
-            <a:endParaRPr lang="en-US" sz="1800" b="1" dirty="0">
-              <a:latin typeface="Courier" charset="0"/>
-              <a:ea typeface="Courier" charset="0"/>
-              <a:cs typeface="Courier" charset="0"/>
-            </a:endParaRPr>
-          </a:p>
-          <a:p>
-            <a:pPr marL="0" lvl="0" indent="0" defTabSz="914400">
-              <a:spcBef>
-                <a:spcPts val="0"/>
-              </a:spcBef>
-              <a:buNone/>
-              <a:defRPr/>
-            </a:pPr>
-            <a:endParaRPr lang="en-US" sz="1800" b="1" dirty="0">
-              <a:latin typeface="Courier" charset="0"/>
-              <a:ea typeface="Courier" charset="0"/>
-              <a:cs typeface="Courier" charset="0"/>
-            </a:endParaRPr>
-          </a:p>
-          <a:p>
-            <a:pPr marL="0" lvl="0" indent="0" defTabSz="914400">
-              <a:spcBef>
-                <a:spcPts val="0"/>
-              </a:spcBef>
-              <a:buNone/>
-              <a:defRPr/>
-            </a:pPr>
-            <a:endParaRPr lang="en-US" sz="1800" b="1" dirty="0">
-              <a:latin typeface="Courier" charset="0"/>
-              <a:ea typeface="Courier" charset="0"/>
-              <a:cs typeface="Courier" charset="0"/>
-            </a:endParaRPr>
-          </a:p>
-          <a:p>
-            <a:pPr marL="0" lvl="0" indent="0" defTabSz="914400">
-              <a:spcBef>
-                <a:spcPts val="0"/>
-              </a:spcBef>
-              <a:buNone/>
-              <a:defRPr/>
-            </a:pPr>
-            <a:endParaRPr lang="en-US" sz="1800" b="1" dirty="0">
-              <a:latin typeface="Courier" charset="0"/>
-              <a:ea typeface="Courier" charset="0"/>
-              <a:cs typeface="Courier" charset="0"/>
-            </a:endParaRPr>
-          </a:p>
-          <a:p>
-            <a:pPr marL="0" lvl="0" indent="0" defTabSz="914400">
-              <a:spcBef>
-                <a:spcPts val="0"/>
-              </a:spcBef>
-              <a:buNone/>
-              <a:defRPr/>
-            </a:pPr>
-            <a:endParaRPr lang="en-US" sz="1800" b="1" dirty="0">
-              <a:latin typeface="Courier" charset="0"/>
-              <a:ea typeface="Courier" charset="0"/>
-              <a:cs typeface="Courier" charset="0"/>
-            </a:endParaRPr>
-          </a:p>
-          <a:p>
-            <a:pPr marL="0" lvl="0" indent="0" defTabSz="914400">
-              <a:spcBef>
-                <a:spcPts val="0"/>
-              </a:spcBef>
-              <a:buNone/>
-              <a:defRPr/>
-            </a:pPr>
-            <a:endParaRPr lang="en-US" sz="1800" b="1" dirty="0">
-              <a:latin typeface="Courier" charset="0"/>
-              <a:ea typeface="Courier" charset="0"/>
-              <a:cs typeface="Courier" charset="0"/>
-            </a:endParaRPr>
-          </a:p>
-          <a:p>
-            <a:pPr marL="0" lvl="0" indent="0" defTabSz="914400">
-              <a:spcBef>
-                <a:spcPts val="0"/>
-              </a:spcBef>
-              <a:buNone/>
-              <a:defRPr/>
-            </a:pPr>
-            <a:endParaRPr lang="en-US" sz="1800" b="1" dirty="0">
-              <a:latin typeface="Courier" charset="0"/>
-              <a:ea typeface="Courier" charset="0"/>
-              <a:cs typeface="Courier" charset="0"/>
-            </a:endParaRPr>
-          </a:p>
-          <a:p>
-            <a:pPr marL="0" lvl="0" indent="0" defTabSz="914400">
-              <a:spcBef>
-                <a:spcPts val="0"/>
-              </a:spcBef>
-              <a:buNone/>
-              <a:defRPr/>
-            </a:pPr>
-            <a:endParaRPr lang="en-US" sz="1800" b="1" dirty="0">
-              <a:latin typeface="Courier" charset="0"/>
-              <a:ea typeface="Courier" charset="0"/>
-              <a:cs typeface="Courier" charset="0"/>
-            </a:endParaRPr>
-          </a:p>
-          <a:p>
-            <a:pPr marL="0" lvl="0" indent="0" defTabSz="914400">
-              <a:spcBef>
-                <a:spcPts val="0"/>
-              </a:spcBef>
-              <a:buNone/>
-              <a:defRPr/>
-            </a:pPr>
-            <a:endParaRPr lang="en-US" sz="1800" b="1" dirty="0">
-              <a:latin typeface="Courier" charset="0"/>
-              <a:ea typeface="Courier" charset="0"/>
-              <a:cs typeface="Courier" charset="0"/>
-            </a:endParaRPr>
-          </a:p>
-          <a:p>
-            <a:pPr marL="0" lvl="0" indent="0" defTabSz="914400">
-              <a:spcBef>
-                <a:spcPts val="0"/>
-              </a:spcBef>
-              <a:buNone/>
-              <a:defRPr/>
-            </a:pPr>
-            <a:endParaRPr lang="en-US" sz="1800" b="1" dirty="0">
-              <a:latin typeface="Courier" charset="0"/>
-              <a:ea typeface="Courier" charset="0"/>
-              <a:cs typeface="Courier" charset="0"/>
-            </a:endParaRPr>
-          </a:p>
-          <a:p>
-            <a:pPr marL="0" lvl="0" indent="0" defTabSz="914400">
-              <a:spcBef>
-                <a:spcPts val="0"/>
-              </a:spcBef>
-              <a:buNone/>
-              <a:defRPr/>
-            </a:pPr>
-            <a:endParaRPr lang="en-US" sz="1800" b="1" dirty="0">
-              <a:latin typeface="Courier" charset="0"/>
-              <a:ea typeface="Courier" charset="0"/>
-              <a:cs typeface="Courier" charset="0"/>
-            </a:endParaRPr>
-          </a:p>
-          <a:p>
-            <a:pPr marL="0" lvl="0" indent="0" defTabSz="914400">
-              <a:spcBef>
-                <a:spcPts val="0"/>
-              </a:spcBef>
-              <a:buNone/>
-              <a:defRPr/>
-            </a:pPr>
-            <a:r>
-              <a:rPr lang="en-US" sz="1800" b="1" dirty="0">
-                <a:latin typeface="Courier" charset="0"/>
-                <a:ea typeface="Courier" charset="0"/>
-                <a:cs typeface="Courier" charset="0"/>
-              </a:rPr>
-              <a:t>}</a:t>
-            </a:r>
-          </a:p>
-        </p:txBody>
-      </p:sp>
-      <p:sp>
-        <p:nvSpPr>
-          <p:cNvPr id="4" name="TextBox 3"/>
-          <p:cNvSpPr txBox="1"/>
-          <p:nvPr/>
-        </p:nvSpPr>
-        <p:spPr>
-          <a:xfrm>
-            <a:off x="9647865" y="6614042"/>
-            <a:ext cx="314510" cy="400110"/>
-          </a:xfrm>
-          <a:prstGeom prst="rect">
-            <a:avLst/>
-          </a:prstGeom>
-          <a:noFill/>
-        </p:spPr>
-        <p:txBody>
-          <a:bodyPr wrap="none" rtlCol="0">
-            <a:spAutoFit/>
-          </a:bodyPr>
-          <a:lstStyle/>
-          <a:p>
-            <a:r>
-              <a:rPr lang="en-US" dirty="0"/>
-              <a:t>9</a:t>
-            </a:r>
-          </a:p>
-        </p:txBody>
-      </p:sp>
-    </p:spTree>
-    <p:extLst>
-      <p:ext uri="{BB962C8B-B14F-4D97-AF65-F5344CB8AC3E}">
-        <p14:creationId xmlns:p14="http://schemas.microsoft.com/office/powerpoint/2010/main" val="673219846"/>
       </p:ext>
     </p:extLst>
   </p:cSld>
@@ -12950,6 +11612,1718 @@
     <p:extLst>
       <p:ext uri="{BB962C8B-B14F-4D97-AF65-F5344CB8AC3E}">
         <p14:creationId xmlns:p14="http://schemas.microsoft.com/office/powerpoint/2010/main" val="940893863"/>
+      </p:ext>
+    </p:extLst>
+  </p:cSld>
+  <p:clrMapOvr>
+    <a:masterClrMapping/>
+  </p:clrMapOvr>
+</p:sld>
+</file>
+
+<file path=ppt/slides/slide20.xml><?xml version="1.0" encoding="utf-8"?>
+<p:sld xmlns:a="http://schemas.openxmlformats.org/drawingml/2006/main" xmlns:r="http://schemas.openxmlformats.org/officeDocument/2006/relationships" xmlns:p="http://schemas.openxmlformats.org/presentationml/2006/main">
+  <p:cSld>
+    <p:spTree>
+      <p:nvGrpSpPr>
+        <p:cNvPr id="1" name=""/>
+        <p:cNvGrpSpPr/>
+        <p:nvPr/>
+      </p:nvGrpSpPr>
+      <p:grpSpPr>
+        <a:xfrm>
+          <a:off x="0" y="0"/>
+          <a:ext cx="0" cy="0"/>
+          <a:chOff x="0" y="0"/>
+          <a:chExt cx="0" cy="0"/>
+        </a:xfrm>
+      </p:grpSpPr>
+      <p:pic>
+        <p:nvPicPr>
+          <p:cNvPr id="4" name="Picture 3">
+            <a:extLst>
+              <a:ext uri="{FF2B5EF4-FFF2-40B4-BE49-F238E27FC236}">
+                <a16:creationId xmlns:a16="http://schemas.microsoft.com/office/drawing/2014/main" id="{D047F1A7-BE8E-4823-A78B-7B9F3FFA4618}"/>
+              </a:ext>
+            </a:extLst>
+          </p:cNvPr>
+          <p:cNvPicPr>
+            <a:picLocks noChangeAspect="1"/>
+          </p:cNvPicPr>
+          <p:nvPr/>
+        </p:nvPicPr>
+        <p:blipFill>
+          <a:blip r:embed="rId2"/>
+          <a:stretch>
+            <a:fillRect/>
+          </a:stretch>
+        </p:blipFill>
+        <p:spPr>
+          <a:xfrm>
+            <a:off x="649734" y="0"/>
+            <a:ext cx="8758932" cy="7772400"/>
+          </a:xfrm>
+          <a:prstGeom prst="rect">
+            <a:avLst/>
+          </a:prstGeom>
+        </p:spPr>
+      </p:pic>
+    </p:spTree>
+    <p:extLst>
+      <p:ext uri="{BB962C8B-B14F-4D97-AF65-F5344CB8AC3E}">
+        <p14:creationId xmlns:p14="http://schemas.microsoft.com/office/powerpoint/2010/main" val="33895279"/>
+      </p:ext>
+    </p:extLst>
+  </p:cSld>
+  <p:clrMapOvr>
+    <a:masterClrMapping/>
+  </p:clrMapOvr>
+</p:sld>
+</file>
+
+<file path=ppt/slides/slide21.xml><?xml version="1.0" encoding="utf-8"?>
+<p:sld xmlns:a="http://schemas.openxmlformats.org/drawingml/2006/main" xmlns:r="http://schemas.openxmlformats.org/officeDocument/2006/relationships" xmlns:p="http://schemas.openxmlformats.org/presentationml/2006/main">
+  <p:cSld>
+    <p:spTree>
+      <p:nvGrpSpPr>
+        <p:cNvPr id="1" name=""/>
+        <p:cNvGrpSpPr/>
+        <p:nvPr/>
+      </p:nvGrpSpPr>
+      <p:grpSpPr>
+        <a:xfrm>
+          <a:off x="0" y="0"/>
+          <a:ext cx="0" cy="0"/>
+          <a:chOff x="0" y="0"/>
+          <a:chExt cx="0" cy="0"/>
+        </a:xfrm>
+      </p:grpSpPr>
+      <p:sp>
+        <p:nvSpPr>
+          <p:cNvPr id="3" name="Text Placeholder 2"/>
+          <p:cNvSpPr>
+            <a:spLocks noGrp="1"/>
+          </p:cNvSpPr>
+          <p:nvPr>
+            <p:ph type="body" sz="quarter" idx="12"/>
+          </p:nvPr>
+        </p:nvSpPr>
+        <p:spPr>
+          <a:xfrm>
+            <a:off x="444500" y="373818"/>
+            <a:ext cx="9245600" cy="1358539"/>
+          </a:xfrm>
+        </p:spPr>
+        <p:txBody>
+          <a:bodyPr/>
+          <a:lstStyle/>
+          <a:p>
+            <a:pPr marL="0" indent="0">
+              <a:buNone/>
+            </a:pPr>
+            <a:r>
+              <a:rPr lang="en-US" b="1" dirty="0"/>
+              <a:t>Quick Sort</a:t>
+            </a:r>
+            <a:r>
+              <a:rPr lang="en-US" dirty="0"/>
+              <a:t>: also called divide-and-conquer </a:t>
+            </a:r>
+          </a:p>
+          <a:p>
+            <a:pPr marL="0" indent="0">
+              <a:buNone/>
+            </a:pPr>
+            <a:r>
+              <a:rPr lang="en-US" dirty="0"/>
+              <a:t>		     1) pick a pivot and partition array into 2 subarrays; </a:t>
+            </a:r>
+          </a:p>
+          <a:p>
+            <a:pPr marL="0" indent="0">
+              <a:buNone/>
+            </a:pPr>
+            <a:r>
+              <a:rPr lang="en-US" dirty="0"/>
+              <a:t>		     2) then sort subarrays using the same method.</a:t>
+            </a:r>
+          </a:p>
+          <a:p>
+            <a:pPr marL="0" marR="0" lvl="0" indent="0" defTabSz="914400" eaLnBrk="1" fontAlgn="auto" latinLnBrk="0" hangingPunct="1">
+              <a:lnSpc>
+                <a:spcPct val="100000"/>
+              </a:lnSpc>
+              <a:spcBef>
+                <a:spcPts val="0"/>
+              </a:spcBef>
+              <a:spcAft>
+                <a:spcPts val="0"/>
+              </a:spcAft>
+              <a:buClrTx/>
+              <a:buSzTx/>
+              <a:buFontTx/>
+              <a:buNone/>
+              <a:tabLst/>
+              <a:defRPr/>
+            </a:pPr>
+            <a:endParaRPr lang="en-US" dirty="0"/>
+          </a:p>
+        </p:txBody>
+      </p:sp>
+      <p:sp>
+        <p:nvSpPr>
+          <p:cNvPr id="39" name="TextBox 38"/>
+          <p:cNvSpPr txBox="1"/>
+          <p:nvPr/>
+        </p:nvSpPr>
+        <p:spPr>
+          <a:xfrm>
+            <a:off x="9647865" y="6614042"/>
+            <a:ext cx="314510" cy="400110"/>
+          </a:xfrm>
+          <a:prstGeom prst="rect">
+            <a:avLst/>
+          </a:prstGeom>
+          <a:noFill/>
+        </p:spPr>
+        <p:txBody>
+          <a:bodyPr wrap="none" rtlCol="0">
+            <a:spAutoFit/>
+          </a:bodyPr>
+          <a:lstStyle/>
+          <a:p>
+            <a:r>
+              <a:rPr lang="en-US" dirty="0"/>
+              <a:t>8</a:t>
+            </a:r>
+          </a:p>
+        </p:txBody>
+      </p:sp>
+      <p:pic>
+        <p:nvPicPr>
+          <p:cNvPr id="5" name="Picture 4">
+            <a:extLst>
+              <a:ext uri="{FF2B5EF4-FFF2-40B4-BE49-F238E27FC236}">
+                <a16:creationId xmlns:a16="http://schemas.microsoft.com/office/drawing/2014/main" id="{93D9B205-9779-454F-AEC8-28867CC8AA7E}"/>
+              </a:ext>
+            </a:extLst>
+          </p:cNvPr>
+          <p:cNvPicPr>
+            <a:picLocks noChangeAspect="1"/>
+          </p:cNvPicPr>
+          <p:nvPr/>
+        </p:nvPicPr>
+        <p:blipFill>
+          <a:blip r:embed="rId2"/>
+          <a:stretch>
+            <a:fillRect/>
+          </a:stretch>
+        </p:blipFill>
+        <p:spPr>
+          <a:xfrm>
+            <a:off x="891094" y="1732357"/>
+            <a:ext cx="7863800" cy="5159945"/>
+          </a:xfrm>
+          <a:prstGeom prst="rect">
+            <a:avLst/>
+          </a:prstGeom>
+        </p:spPr>
+      </p:pic>
+    </p:spTree>
+    <p:extLst>
+      <p:ext uri="{BB962C8B-B14F-4D97-AF65-F5344CB8AC3E}">
+        <p14:creationId xmlns:p14="http://schemas.microsoft.com/office/powerpoint/2010/main" val="1413624685"/>
+      </p:ext>
+    </p:extLst>
+  </p:cSld>
+  <p:clrMapOvr>
+    <a:masterClrMapping/>
+  </p:clrMapOvr>
+</p:sld>
+</file>
+
+<file path=ppt/slides/slide22.xml><?xml version="1.0" encoding="utf-8"?>
+<p:sld xmlns:a="http://schemas.openxmlformats.org/drawingml/2006/main" xmlns:r="http://schemas.openxmlformats.org/officeDocument/2006/relationships" xmlns:p="http://schemas.openxmlformats.org/presentationml/2006/main">
+  <p:cSld>
+    <p:spTree>
+      <p:nvGrpSpPr>
+        <p:cNvPr id="1" name=""/>
+        <p:cNvGrpSpPr/>
+        <p:nvPr/>
+      </p:nvGrpSpPr>
+      <p:grpSpPr>
+        <a:xfrm>
+          <a:off x="0" y="0"/>
+          <a:ext cx="0" cy="0"/>
+          <a:chOff x="0" y="0"/>
+          <a:chExt cx="0" cy="0"/>
+        </a:xfrm>
+      </p:grpSpPr>
+      <p:sp>
+        <p:nvSpPr>
+          <p:cNvPr id="3" name="Text Placeholder 2"/>
+          <p:cNvSpPr>
+            <a:spLocks noGrp="1"/>
+          </p:cNvSpPr>
+          <p:nvPr>
+            <p:ph type="body" sz="quarter" idx="12"/>
+          </p:nvPr>
+        </p:nvSpPr>
+        <p:spPr>
+          <a:xfrm>
+            <a:off x="444500" y="587827"/>
+            <a:ext cx="9245600" cy="1358539"/>
+          </a:xfrm>
+        </p:spPr>
+        <p:txBody>
+          <a:bodyPr/>
+          <a:lstStyle/>
+          <a:p>
+            <a:pPr marL="0" indent="0">
+              <a:buNone/>
+            </a:pPr>
+            <a:r>
+              <a:rPr lang="en-US" b="1" dirty="0"/>
+              <a:t>Quick Sort</a:t>
+            </a:r>
+            <a:r>
+              <a:rPr lang="en-US" dirty="0"/>
+              <a:t>: also called divide-and-conquer </a:t>
+            </a:r>
+          </a:p>
+          <a:p>
+            <a:pPr marL="0" indent="0">
+              <a:buNone/>
+            </a:pPr>
+            <a:r>
+              <a:rPr lang="en-US" dirty="0"/>
+              <a:t>		     1) pick a pivot and partition array into 2 subarrays; </a:t>
+            </a:r>
+          </a:p>
+          <a:p>
+            <a:pPr marL="0" indent="0">
+              <a:buNone/>
+            </a:pPr>
+            <a:r>
+              <a:rPr lang="en-US" dirty="0"/>
+              <a:t>		     2) then sort subarrays using the same method.</a:t>
+            </a:r>
+          </a:p>
+          <a:p>
+            <a:pPr marL="0" marR="0" lvl="0" indent="0" defTabSz="914400" eaLnBrk="1" fontAlgn="auto" latinLnBrk="0" hangingPunct="1">
+              <a:lnSpc>
+                <a:spcPct val="100000"/>
+              </a:lnSpc>
+              <a:spcBef>
+                <a:spcPts val="0"/>
+              </a:spcBef>
+              <a:spcAft>
+                <a:spcPts val="0"/>
+              </a:spcAft>
+              <a:buClrTx/>
+              <a:buSzTx/>
+              <a:buFontTx/>
+              <a:buNone/>
+              <a:tabLst/>
+              <a:defRPr/>
+            </a:pPr>
+            <a:endParaRPr lang="en-US" dirty="0"/>
+          </a:p>
+        </p:txBody>
+      </p:sp>
+      <p:graphicFrame>
+        <p:nvGraphicFramePr>
+          <p:cNvPr id="9" name="Table 8"/>
+          <p:cNvGraphicFramePr>
+            <a:graphicFrameLocks noGrp="1"/>
+          </p:cNvGraphicFramePr>
+          <p:nvPr>
+            <p:extLst/>
+          </p:nvPr>
+        </p:nvGraphicFramePr>
+        <p:xfrm>
+          <a:off x="2718197" y="2445974"/>
+          <a:ext cx="4872445" cy="396240"/>
+        </p:xfrm>
+        <a:graphic>
+          <a:graphicData uri="http://schemas.openxmlformats.org/drawingml/2006/table">
+            <a:tbl>
+              <a:tblPr firstRow="1" bandRow="1">
+                <a:tableStyleId>{5C22544A-7EE6-4342-B048-85BDC9FD1C3A}</a:tableStyleId>
+              </a:tblPr>
+              <a:tblGrid>
+                <a:gridCol w="974489">
+                  <a:extLst>
+                    <a:ext uri="{9D8B030D-6E8A-4147-A177-3AD203B41FA5}">
+                      <a16:colId xmlns:a16="http://schemas.microsoft.com/office/drawing/2014/main" val="20000"/>
+                    </a:ext>
+                  </a:extLst>
+                </a:gridCol>
+                <a:gridCol w="974489">
+                  <a:extLst>
+                    <a:ext uri="{9D8B030D-6E8A-4147-A177-3AD203B41FA5}">
+                      <a16:colId xmlns:a16="http://schemas.microsoft.com/office/drawing/2014/main" val="20001"/>
+                    </a:ext>
+                  </a:extLst>
+                </a:gridCol>
+                <a:gridCol w="974489">
+                  <a:extLst>
+                    <a:ext uri="{9D8B030D-6E8A-4147-A177-3AD203B41FA5}">
+                      <a16:colId xmlns:a16="http://schemas.microsoft.com/office/drawing/2014/main" val="20002"/>
+                    </a:ext>
+                  </a:extLst>
+                </a:gridCol>
+                <a:gridCol w="974489">
+                  <a:extLst>
+                    <a:ext uri="{9D8B030D-6E8A-4147-A177-3AD203B41FA5}">
+                      <a16:colId xmlns:a16="http://schemas.microsoft.com/office/drawing/2014/main" val="20003"/>
+                    </a:ext>
+                  </a:extLst>
+                </a:gridCol>
+                <a:gridCol w="974489">
+                  <a:extLst>
+                    <a:ext uri="{9D8B030D-6E8A-4147-A177-3AD203B41FA5}">
+                      <a16:colId xmlns:a16="http://schemas.microsoft.com/office/drawing/2014/main" val="20004"/>
+                    </a:ext>
+                  </a:extLst>
+                </a:gridCol>
+              </a:tblGrid>
+              <a:tr h="0">
+                <a:tc>
+                  <a:txBody>
+                    <a:bodyPr/>
+                    <a:lstStyle/>
+                    <a:p>
+                      <a:pPr algn="ctr"/>
+                      <a:r>
+                        <a:rPr lang="en-US" dirty="0">
+                          <a:solidFill>
+                            <a:srgbClr val="002060"/>
+                          </a:solidFill>
+                        </a:rPr>
+                        <a:t>3</a:t>
+                      </a:r>
+                    </a:p>
+                  </a:txBody>
+                  <a:tcPr>
+                    <a:solidFill>
+                      <a:schemeClr val="accent1">
+                        <a:lumMod val="40000"/>
+                        <a:lumOff val="60000"/>
+                      </a:schemeClr>
+                    </a:solidFill>
+                  </a:tcPr>
+                </a:tc>
+                <a:tc>
+                  <a:txBody>
+                    <a:bodyPr/>
+                    <a:lstStyle/>
+                    <a:p>
+                      <a:pPr algn="ctr"/>
+                      <a:r>
+                        <a:rPr lang="en-US" dirty="0">
+                          <a:solidFill>
+                            <a:srgbClr val="002060"/>
+                          </a:solidFill>
+                        </a:rPr>
+                        <a:t>5</a:t>
+                      </a:r>
+                    </a:p>
+                  </a:txBody>
+                  <a:tcPr>
+                    <a:solidFill>
+                      <a:schemeClr val="accent1">
+                        <a:lumMod val="40000"/>
+                        <a:lumOff val="60000"/>
+                      </a:schemeClr>
+                    </a:solidFill>
+                  </a:tcPr>
+                </a:tc>
+                <a:tc>
+                  <a:txBody>
+                    <a:bodyPr/>
+                    <a:lstStyle/>
+                    <a:p>
+                      <a:pPr algn="ctr"/>
+                      <a:r>
+                        <a:rPr lang="en-US" dirty="0">
+                          <a:solidFill>
+                            <a:srgbClr val="002060"/>
+                          </a:solidFill>
+                        </a:rPr>
+                        <a:t>2</a:t>
+                      </a:r>
+                    </a:p>
+                  </a:txBody>
+                  <a:tcPr>
+                    <a:solidFill>
+                      <a:schemeClr val="accent1">
+                        <a:lumMod val="40000"/>
+                        <a:lumOff val="60000"/>
+                      </a:schemeClr>
+                    </a:solidFill>
+                  </a:tcPr>
+                </a:tc>
+                <a:tc>
+                  <a:txBody>
+                    <a:bodyPr/>
+                    <a:lstStyle/>
+                    <a:p>
+                      <a:pPr algn="ctr"/>
+                      <a:r>
+                        <a:rPr lang="en-US" dirty="0">
+                          <a:solidFill>
+                            <a:srgbClr val="002060"/>
+                          </a:solidFill>
+                        </a:rPr>
+                        <a:t>1</a:t>
+                      </a:r>
+                    </a:p>
+                  </a:txBody>
+                  <a:tcPr>
+                    <a:solidFill>
+                      <a:schemeClr val="accent1">
+                        <a:lumMod val="40000"/>
+                        <a:lumOff val="60000"/>
+                      </a:schemeClr>
+                    </a:solidFill>
+                  </a:tcPr>
+                </a:tc>
+                <a:tc>
+                  <a:txBody>
+                    <a:bodyPr/>
+                    <a:lstStyle/>
+                    <a:p>
+                      <a:pPr algn="ctr"/>
+                      <a:r>
+                        <a:rPr lang="en-US" dirty="0">
+                          <a:solidFill>
+                            <a:srgbClr val="002060"/>
+                          </a:solidFill>
+                        </a:rPr>
+                        <a:t>4</a:t>
+                      </a:r>
+                    </a:p>
+                  </a:txBody>
+                  <a:tcPr>
+                    <a:solidFill>
+                      <a:schemeClr val="accent1">
+                        <a:lumMod val="40000"/>
+                        <a:lumOff val="60000"/>
+                      </a:schemeClr>
+                    </a:solidFill>
+                  </a:tcPr>
+                </a:tc>
+                <a:extLst>
+                  <a:ext uri="{0D108BD9-81ED-4DB2-BD59-A6C34878D82A}">
+                    <a16:rowId xmlns:a16="http://schemas.microsoft.com/office/drawing/2014/main" val="10000"/>
+                  </a:ext>
+                </a:extLst>
+              </a:tr>
+            </a:tbl>
+          </a:graphicData>
+        </a:graphic>
+      </p:graphicFrame>
+      <p:graphicFrame>
+        <p:nvGraphicFramePr>
+          <p:cNvPr id="12" name="Table 11"/>
+          <p:cNvGraphicFramePr>
+            <a:graphicFrameLocks noGrp="1"/>
+          </p:cNvGraphicFramePr>
+          <p:nvPr>
+            <p:extLst/>
+          </p:nvPr>
+        </p:nvGraphicFramePr>
+        <p:xfrm>
+          <a:off x="2739967" y="3421333"/>
+          <a:ext cx="4872445" cy="396240"/>
+        </p:xfrm>
+        <a:graphic>
+          <a:graphicData uri="http://schemas.openxmlformats.org/drawingml/2006/table">
+            <a:tbl>
+              <a:tblPr firstRow="1" bandRow="1">
+                <a:tableStyleId>{5C22544A-7EE6-4342-B048-85BDC9FD1C3A}</a:tableStyleId>
+              </a:tblPr>
+              <a:tblGrid>
+                <a:gridCol w="974489">
+                  <a:extLst>
+                    <a:ext uri="{9D8B030D-6E8A-4147-A177-3AD203B41FA5}">
+                      <a16:colId xmlns:a16="http://schemas.microsoft.com/office/drawing/2014/main" val="20000"/>
+                    </a:ext>
+                  </a:extLst>
+                </a:gridCol>
+                <a:gridCol w="974489">
+                  <a:extLst>
+                    <a:ext uri="{9D8B030D-6E8A-4147-A177-3AD203B41FA5}">
+                      <a16:colId xmlns:a16="http://schemas.microsoft.com/office/drawing/2014/main" val="20001"/>
+                    </a:ext>
+                  </a:extLst>
+                </a:gridCol>
+                <a:gridCol w="974489">
+                  <a:extLst>
+                    <a:ext uri="{9D8B030D-6E8A-4147-A177-3AD203B41FA5}">
+                      <a16:colId xmlns:a16="http://schemas.microsoft.com/office/drawing/2014/main" val="20002"/>
+                    </a:ext>
+                  </a:extLst>
+                </a:gridCol>
+                <a:gridCol w="974489">
+                  <a:extLst>
+                    <a:ext uri="{9D8B030D-6E8A-4147-A177-3AD203B41FA5}">
+                      <a16:colId xmlns:a16="http://schemas.microsoft.com/office/drawing/2014/main" val="20003"/>
+                    </a:ext>
+                  </a:extLst>
+                </a:gridCol>
+                <a:gridCol w="974489">
+                  <a:extLst>
+                    <a:ext uri="{9D8B030D-6E8A-4147-A177-3AD203B41FA5}">
+                      <a16:colId xmlns:a16="http://schemas.microsoft.com/office/drawing/2014/main" val="20004"/>
+                    </a:ext>
+                  </a:extLst>
+                </a:gridCol>
+              </a:tblGrid>
+              <a:tr h="0">
+                <a:tc>
+                  <a:txBody>
+                    <a:bodyPr/>
+                    <a:lstStyle/>
+                    <a:p>
+                      <a:pPr algn="ctr"/>
+                      <a:r>
+                        <a:rPr lang="en-US" dirty="0">
+                          <a:solidFill>
+                            <a:srgbClr val="002060"/>
+                          </a:solidFill>
+                        </a:rPr>
+                        <a:t>2</a:t>
+                      </a:r>
+                    </a:p>
+                  </a:txBody>
+                  <a:tcPr>
+                    <a:solidFill>
+                      <a:schemeClr val="accent1">
+                        <a:lumMod val="40000"/>
+                        <a:lumOff val="60000"/>
+                      </a:schemeClr>
+                    </a:solidFill>
+                  </a:tcPr>
+                </a:tc>
+                <a:tc>
+                  <a:txBody>
+                    <a:bodyPr/>
+                    <a:lstStyle/>
+                    <a:p>
+                      <a:pPr algn="ctr"/>
+                      <a:r>
+                        <a:rPr lang="en-US" dirty="0">
+                          <a:solidFill>
+                            <a:srgbClr val="002060"/>
+                          </a:solidFill>
+                        </a:rPr>
+                        <a:t>1</a:t>
+                      </a:r>
+                    </a:p>
+                  </a:txBody>
+                  <a:tcPr>
+                    <a:solidFill>
+                      <a:schemeClr val="accent1">
+                        <a:lumMod val="40000"/>
+                        <a:lumOff val="60000"/>
+                      </a:schemeClr>
+                    </a:solidFill>
+                  </a:tcPr>
+                </a:tc>
+                <a:tc>
+                  <a:txBody>
+                    <a:bodyPr/>
+                    <a:lstStyle/>
+                    <a:p>
+                      <a:pPr algn="ctr"/>
+                      <a:r>
+                        <a:rPr lang="en-US" dirty="0">
+                          <a:solidFill>
+                            <a:srgbClr val="002060"/>
+                          </a:solidFill>
+                        </a:rPr>
+                        <a:t>3</a:t>
+                      </a:r>
+                    </a:p>
+                  </a:txBody>
+                  <a:tcPr>
+                    <a:solidFill>
+                      <a:schemeClr val="accent6"/>
+                    </a:solidFill>
+                  </a:tcPr>
+                </a:tc>
+                <a:tc>
+                  <a:txBody>
+                    <a:bodyPr/>
+                    <a:lstStyle/>
+                    <a:p>
+                      <a:pPr algn="ctr"/>
+                      <a:r>
+                        <a:rPr lang="en-US" dirty="0">
+                          <a:solidFill>
+                            <a:srgbClr val="002060"/>
+                          </a:solidFill>
+                        </a:rPr>
+                        <a:t>5</a:t>
+                      </a:r>
+                    </a:p>
+                  </a:txBody>
+                  <a:tcPr>
+                    <a:solidFill>
+                      <a:schemeClr val="accent1">
+                        <a:lumMod val="40000"/>
+                        <a:lumOff val="60000"/>
+                      </a:schemeClr>
+                    </a:solidFill>
+                  </a:tcPr>
+                </a:tc>
+                <a:tc>
+                  <a:txBody>
+                    <a:bodyPr/>
+                    <a:lstStyle/>
+                    <a:p>
+                      <a:pPr algn="ctr"/>
+                      <a:r>
+                        <a:rPr lang="en-US" dirty="0">
+                          <a:solidFill>
+                            <a:srgbClr val="002060"/>
+                          </a:solidFill>
+                        </a:rPr>
+                        <a:t>4</a:t>
+                      </a:r>
+                    </a:p>
+                  </a:txBody>
+                  <a:tcPr>
+                    <a:solidFill>
+                      <a:schemeClr val="accent1">
+                        <a:lumMod val="40000"/>
+                        <a:lumOff val="60000"/>
+                      </a:schemeClr>
+                    </a:solidFill>
+                  </a:tcPr>
+                </a:tc>
+                <a:extLst>
+                  <a:ext uri="{0D108BD9-81ED-4DB2-BD59-A6C34878D82A}">
+                    <a16:rowId xmlns:a16="http://schemas.microsoft.com/office/drawing/2014/main" val="10000"/>
+                  </a:ext>
+                </a:extLst>
+              </a:tr>
+            </a:tbl>
+          </a:graphicData>
+        </a:graphic>
+      </p:graphicFrame>
+      <p:graphicFrame>
+        <p:nvGraphicFramePr>
+          <p:cNvPr id="10" name="Table 9"/>
+          <p:cNvGraphicFramePr>
+            <a:graphicFrameLocks noGrp="1"/>
+          </p:cNvGraphicFramePr>
+          <p:nvPr>
+            <p:extLst/>
+          </p:nvPr>
+        </p:nvGraphicFramePr>
+        <p:xfrm>
+          <a:off x="2739967" y="4467636"/>
+          <a:ext cx="1968138" cy="396240"/>
+        </p:xfrm>
+        <a:graphic>
+          <a:graphicData uri="http://schemas.openxmlformats.org/drawingml/2006/table">
+            <a:tbl>
+              <a:tblPr bandRow="1">
+                <a:tableStyleId>{5C22544A-7EE6-4342-B048-85BDC9FD1C3A}</a:tableStyleId>
+              </a:tblPr>
+              <a:tblGrid>
+                <a:gridCol w="984069">
+                  <a:extLst>
+                    <a:ext uri="{9D8B030D-6E8A-4147-A177-3AD203B41FA5}">
+                      <a16:colId xmlns:a16="http://schemas.microsoft.com/office/drawing/2014/main" val="20000"/>
+                    </a:ext>
+                  </a:extLst>
+                </a:gridCol>
+                <a:gridCol w="984069">
+                  <a:extLst>
+                    <a:ext uri="{9D8B030D-6E8A-4147-A177-3AD203B41FA5}">
+                      <a16:colId xmlns:a16="http://schemas.microsoft.com/office/drawing/2014/main" val="20001"/>
+                    </a:ext>
+                  </a:extLst>
+                </a:gridCol>
+              </a:tblGrid>
+              <a:tr h="370840">
+                <a:tc>
+                  <a:txBody>
+                    <a:bodyPr/>
+                    <a:lstStyle/>
+                    <a:p>
+                      <a:pPr algn="ctr"/>
+                      <a:r>
+                        <a:rPr lang="en-US" b="1" dirty="0">
+                          <a:solidFill>
+                            <a:srgbClr val="002060"/>
+                          </a:solidFill>
+                        </a:rPr>
+                        <a:t>1</a:t>
+                      </a:r>
+                    </a:p>
+                  </a:txBody>
+                  <a:tcPr>
+                    <a:solidFill>
+                      <a:schemeClr val="accent1">
+                        <a:lumMod val="40000"/>
+                        <a:lumOff val="60000"/>
+                      </a:schemeClr>
+                    </a:solidFill>
+                  </a:tcPr>
+                </a:tc>
+                <a:tc>
+                  <a:txBody>
+                    <a:bodyPr/>
+                    <a:lstStyle/>
+                    <a:p>
+                      <a:pPr algn="ctr"/>
+                      <a:r>
+                        <a:rPr lang="en-US" b="1" dirty="0">
+                          <a:solidFill>
+                            <a:srgbClr val="002060"/>
+                          </a:solidFill>
+                        </a:rPr>
+                        <a:t>2</a:t>
+                      </a:r>
+                    </a:p>
+                  </a:txBody>
+                  <a:tcPr>
+                    <a:solidFill>
+                      <a:schemeClr val="accent6"/>
+                    </a:solidFill>
+                  </a:tcPr>
+                </a:tc>
+                <a:extLst>
+                  <a:ext uri="{0D108BD9-81ED-4DB2-BD59-A6C34878D82A}">
+                    <a16:rowId xmlns:a16="http://schemas.microsoft.com/office/drawing/2014/main" val="10000"/>
+                  </a:ext>
+                </a:extLst>
+              </a:tr>
+            </a:tbl>
+          </a:graphicData>
+        </a:graphic>
+      </p:graphicFrame>
+      <p:graphicFrame>
+        <p:nvGraphicFramePr>
+          <p:cNvPr id="14" name="Table 13"/>
+          <p:cNvGraphicFramePr>
+            <a:graphicFrameLocks noGrp="1"/>
+          </p:cNvGraphicFramePr>
+          <p:nvPr>
+            <p:extLst/>
+          </p:nvPr>
+        </p:nvGraphicFramePr>
+        <p:xfrm>
+          <a:off x="5686118" y="4467636"/>
+          <a:ext cx="1968138" cy="396240"/>
+        </p:xfrm>
+        <a:graphic>
+          <a:graphicData uri="http://schemas.openxmlformats.org/drawingml/2006/table">
+            <a:tbl>
+              <a:tblPr bandRow="1">
+                <a:tableStyleId>{5C22544A-7EE6-4342-B048-85BDC9FD1C3A}</a:tableStyleId>
+              </a:tblPr>
+              <a:tblGrid>
+                <a:gridCol w="984069">
+                  <a:extLst>
+                    <a:ext uri="{9D8B030D-6E8A-4147-A177-3AD203B41FA5}">
+                      <a16:colId xmlns:a16="http://schemas.microsoft.com/office/drawing/2014/main" val="20000"/>
+                    </a:ext>
+                  </a:extLst>
+                </a:gridCol>
+                <a:gridCol w="984069">
+                  <a:extLst>
+                    <a:ext uri="{9D8B030D-6E8A-4147-A177-3AD203B41FA5}">
+                      <a16:colId xmlns:a16="http://schemas.microsoft.com/office/drawing/2014/main" val="20001"/>
+                    </a:ext>
+                  </a:extLst>
+                </a:gridCol>
+              </a:tblGrid>
+              <a:tr h="370840">
+                <a:tc>
+                  <a:txBody>
+                    <a:bodyPr/>
+                    <a:lstStyle/>
+                    <a:p>
+                      <a:pPr algn="ctr"/>
+                      <a:r>
+                        <a:rPr lang="en-US" b="1" dirty="0">
+                          <a:solidFill>
+                            <a:srgbClr val="002060"/>
+                          </a:solidFill>
+                        </a:rPr>
+                        <a:t>4</a:t>
+                      </a:r>
+                    </a:p>
+                  </a:txBody>
+                  <a:tcPr>
+                    <a:solidFill>
+                      <a:schemeClr val="accent1">
+                        <a:lumMod val="40000"/>
+                        <a:lumOff val="60000"/>
+                      </a:schemeClr>
+                    </a:solidFill>
+                  </a:tcPr>
+                </a:tc>
+                <a:tc>
+                  <a:txBody>
+                    <a:bodyPr/>
+                    <a:lstStyle/>
+                    <a:p>
+                      <a:pPr algn="ctr"/>
+                      <a:r>
+                        <a:rPr lang="en-US" b="1" dirty="0">
+                          <a:solidFill>
+                            <a:srgbClr val="002060"/>
+                          </a:solidFill>
+                        </a:rPr>
+                        <a:t>5</a:t>
+                      </a:r>
+                    </a:p>
+                  </a:txBody>
+                  <a:tcPr>
+                    <a:solidFill>
+                      <a:schemeClr val="accent6"/>
+                    </a:solidFill>
+                  </a:tcPr>
+                </a:tc>
+                <a:extLst>
+                  <a:ext uri="{0D108BD9-81ED-4DB2-BD59-A6C34878D82A}">
+                    <a16:rowId xmlns:a16="http://schemas.microsoft.com/office/drawing/2014/main" val="10000"/>
+                  </a:ext>
+                </a:extLst>
+              </a:tr>
+            </a:tbl>
+          </a:graphicData>
+        </a:graphic>
+      </p:graphicFrame>
+      <p:graphicFrame>
+        <p:nvGraphicFramePr>
+          <p:cNvPr id="15" name="Table 14"/>
+          <p:cNvGraphicFramePr>
+            <a:graphicFrameLocks noGrp="1"/>
+          </p:cNvGraphicFramePr>
+          <p:nvPr>
+            <p:extLst/>
+          </p:nvPr>
+        </p:nvGraphicFramePr>
+        <p:xfrm>
+          <a:off x="2749568" y="6560242"/>
+          <a:ext cx="4872445" cy="396240"/>
+        </p:xfrm>
+        <a:graphic>
+          <a:graphicData uri="http://schemas.openxmlformats.org/drawingml/2006/table">
+            <a:tbl>
+              <a:tblPr firstRow="1" bandRow="1">
+                <a:tableStyleId>{5C22544A-7EE6-4342-B048-85BDC9FD1C3A}</a:tableStyleId>
+              </a:tblPr>
+              <a:tblGrid>
+                <a:gridCol w="974489">
+                  <a:extLst>
+                    <a:ext uri="{9D8B030D-6E8A-4147-A177-3AD203B41FA5}">
+                      <a16:colId xmlns:a16="http://schemas.microsoft.com/office/drawing/2014/main" val="20000"/>
+                    </a:ext>
+                  </a:extLst>
+                </a:gridCol>
+                <a:gridCol w="974489">
+                  <a:extLst>
+                    <a:ext uri="{9D8B030D-6E8A-4147-A177-3AD203B41FA5}">
+                      <a16:colId xmlns:a16="http://schemas.microsoft.com/office/drawing/2014/main" val="20001"/>
+                    </a:ext>
+                  </a:extLst>
+                </a:gridCol>
+                <a:gridCol w="974489">
+                  <a:extLst>
+                    <a:ext uri="{9D8B030D-6E8A-4147-A177-3AD203B41FA5}">
+                      <a16:colId xmlns:a16="http://schemas.microsoft.com/office/drawing/2014/main" val="20002"/>
+                    </a:ext>
+                  </a:extLst>
+                </a:gridCol>
+                <a:gridCol w="974489">
+                  <a:extLst>
+                    <a:ext uri="{9D8B030D-6E8A-4147-A177-3AD203B41FA5}">
+                      <a16:colId xmlns:a16="http://schemas.microsoft.com/office/drawing/2014/main" val="20003"/>
+                    </a:ext>
+                  </a:extLst>
+                </a:gridCol>
+                <a:gridCol w="974489">
+                  <a:extLst>
+                    <a:ext uri="{9D8B030D-6E8A-4147-A177-3AD203B41FA5}">
+                      <a16:colId xmlns:a16="http://schemas.microsoft.com/office/drawing/2014/main" val="20004"/>
+                    </a:ext>
+                  </a:extLst>
+                </a:gridCol>
+              </a:tblGrid>
+              <a:tr h="0">
+                <a:tc>
+                  <a:txBody>
+                    <a:bodyPr/>
+                    <a:lstStyle/>
+                    <a:p>
+                      <a:pPr algn="ctr"/>
+                      <a:r>
+                        <a:rPr lang="en-US" dirty="0">
+                          <a:solidFill>
+                            <a:srgbClr val="002060"/>
+                          </a:solidFill>
+                        </a:rPr>
+                        <a:t>1</a:t>
+                      </a:r>
+                    </a:p>
+                  </a:txBody>
+                  <a:tcPr>
+                    <a:solidFill>
+                      <a:schemeClr val="accent6"/>
+                    </a:solidFill>
+                  </a:tcPr>
+                </a:tc>
+                <a:tc>
+                  <a:txBody>
+                    <a:bodyPr/>
+                    <a:lstStyle/>
+                    <a:p>
+                      <a:pPr algn="ctr"/>
+                      <a:r>
+                        <a:rPr lang="en-US" dirty="0">
+                          <a:solidFill>
+                            <a:srgbClr val="002060"/>
+                          </a:solidFill>
+                        </a:rPr>
+                        <a:t>2</a:t>
+                      </a:r>
+                    </a:p>
+                  </a:txBody>
+                  <a:tcPr>
+                    <a:solidFill>
+                      <a:schemeClr val="accent6"/>
+                    </a:solidFill>
+                  </a:tcPr>
+                </a:tc>
+                <a:tc>
+                  <a:txBody>
+                    <a:bodyPr/>
+                    <a:lstStyle/>
+                    <a:p>
+                      <a:pPr algn="ctr"/>
+                      <a:r>
+                        <a:rPr lang="en-US" dirty="0">
+                          <a:solidFill>
+                            <a:srgbClr val="002060"/>
+                          </a:solidFill>
+                        </a:rPr>
+                        <a:t>3</a:t>
+                      </a:r>
+                    </a:p>
+                  </a:txBody>
+                  <a:tcPr>
+                    <a:solidFill>
+                      <a:schemeClr val="accent6"/>
+                    </a:solidFill>
+                  </a:tcPr>
+                </a:tc>
+                <a:tc>
+                  <a:txBody>
+                    <a:bodyPr/>
+                    <a:lstStyle/>
+                    <a:p>
+                      <a:pPr algn="ctr"/>
+                      <a:r>
+                        <a:rPr lang="en-US" dirty="0">
+                          <a:solidFill>
+                            <a:srgbClr val="002060"/>
+                          </a:solidFill>
+                        </a:rPr>
+                        <a:t>4</a:t>
+                      </a:r>
+                    </a:p>
+                  </a:txBody>
+                  <a:tcPr>
+                    <a:solidFill>
+                      <a:schemeClr val="accent6"/>
+                    </a:solidFill>
+                  </a:tcPr>
+                </a:tc>
+                <a:tc>
+                  <a:txBody>
+                    <a:bodyPr/>
+                    <a:lstStyle/>
+                    <a:p>
+                      <a:pPr algn="ctr"/>
+                      <a:r>
+                        <a:rPr lang="en-US" dirty="0">
+                          <a:solidFill>
+                            <a:srgbClr val="002060"/>
+                          </a:solidFill>
+                        </a:rPr>
+                        <a:t>5</a:t>
+                      </a:r>
+                    </a:p>
+                  </a:txBody>
+                  <a:tcPr>
+                    <a:solidFill>
+                      <a:schemeClr val="accent6"/>
+                    </a:solidFill>
+                  </a:tcPr>
+                </a:tc>
+                <a:extLst>
+                  <a:ext uri="{0D108BD9-81ED-4DB2-BD59-A6C34878D82A}">
+                    <a16:rowId xmlns:a16="http://schemas.microsoft.com/office/drawing/2014/main" val="10000"/>
+                  </a:ext>
+                </a:extLst>
+              </a:tr>
+            </a:tbl>
+          </a:graphicData>
+        </a:graphic>
+      </p:graphicFrame>
+      <p:graphicFrame>
+        <p:nvGraphicFramePr>
+          <p:cNvPr id="11" name="Table 10"/>
+          <p:cNvGraphicFramePr>
+            <a:graphicFrameLocks noGrp="1"/>
+          </p:cNvGraphicFramePr>
+          <p:nvPr>
+            <p:extLst/>
+          </p:nvPr>
+        </p:nvGraphicFramePr>
+        <p:xfrm>
+          <a:off x="2739967" y="5513939"/>
+          <a:ext cx="974468" cy="396240"/>
+        </p:xfrm>
+        <a:graphic>
+          <a:graphicData uri="http://schemas.openxmlformats.org/drawingml/2006/table">
+            <a:tbl>
+              <a:tblPr firstRow="1" bandRow="1">
+                <a:tableStyleId>{5C22544A-7EE6-4342-B048-85BDC9FD1C3A}</a:tableStyleId>
+              </a:tblPr>
+              <a:tblGrid>
+                <a:gridCol w="974468">
+                  <a:extLst>
+                    <a:ext uri="{9D8B030D-6E8A-4147-A177-3AD203B41FA5}">
+                      <a16:colId xmlns:a16="http://schemas.microsoft.com/office/drawing/2014/main" val="20000"/>
+                    </a:ext>
+                  </a:extLst>
+                </a:gridCol>
+              </a:tblGrid>
+              <a:tr h="370840">
+                <a:tc>
+                  <a:txBody>
+                    <a:bodyPr/>
+                    <a:lstStyle/>
+                    <a:p>
+                      <a:pPr algn="ctr"/>
+                      <a:r>
+                        <a:rPr lang="en-US" dirty="0">
+                          <a:solidFill>
+                            <a:srgbClr val="002060"/>
+                          </a:solidFill>
+                        </a:rPr>
+                        <a:t>1</a:t>
+                      </a:r>
+                    </a:p>
+                  </a:txBody>
+                  <a:tcPr>
+                    <a:solidFill>
+                      <a:schemeClr val="accent6"/>
+                    </a:solidFill>
+                  </a:tcPr>
+                </a:tc>
+                <a:extLst>
+                  <a:ext uri="{0D108BD9-81ED-4DB2-BD59-A6C34878D82A}">
+                    <a16:rowId xmlns:a16="http://schemas.microsoft.com/office/drawing/2014/main" val="10000"/>
+                  </a:ext>
+                </a:extLst>
+              </a:tr>
+            </a:tbl>
+          </a:graphicData>
+        </a:graphic>
+      </p:graphicFrame>
+      <p:graphicFrame>
+        <p:nvGraphicFramePr>
+          <p:cNvPr id="17" name="Table 16"/>
+          <p:cNvGraphicFramePr>
+            <a:graphicFrameLocks noGrp="1"/>
+          </p:cNvGraphicFramePr>
+          <p:nvPr>
+            <p:extLst/>
+          </p:nvPr>
+        </p:nvGraphicFramePr>
+        <p:xfrm>
+          <a:off x="5686118" y="5513939"/>
+          <a:ext cx="974468" cy="396240"/>
+        </p:xfrm>
+        <a:graphic>
+          <a:graphicData uri="http://schemas.openxmlformats.org/drawingml/2006/table">
+            <a:tbl>
+              <a:tblPr firstRow="1" bandRow="1">
+                <a:tableStyleId>{5C22544A-7EE6-4342-B048-85BDC9FD1C3A}</a:tableStyleId>
+              </a:tblPr>
+              <a:tblGrid>
+                <a:gridCol w="974468">
+                  <a:extLst>
+                    <a:ext uri="{9D8B030D-6E8A-4147-A177-3AD203B41FA5}">
+                      <a16:colId xmlns:a16="http://schemas.microsoft.com/office/drawing/2014/main" val="20000"/>
+                    </a:ext>
+                  </a:extLst>
+                </a:gridCol>
+              </a:tblGrid>
+              <a:tr h="370840">
+                <a:tc>
+                  <a:txBody>
+                    <a:bodyPr/>
+                    <a:lstStyle/>
+                    <a:p>
+                      <a:pPr algn="ctr"/>
+                      <a:r>
+                        <a:rPr lang="en-US" dirty="0">
+                          <a:solidFill>
+                            <a:srgbClr val="002060"/>
+                          </a:solidFill>
+                        </a:rPr>
+                        <a:t>4</a:t>
+                      </a:r>
+                    </a:p>
+                  </a:txBody>
+                  <a:tcPr>
+                    <a:solidFill>
+                      <a:schemeClr val="accent6"/>
+                    </a:solidFill>
+                  </a:tcPr>
+                </a:tc>
+                <a:extLst>
+                  <a:ext uri="{0D108BD9-81ED-4DB2-BD59-A6C34878D82A}">
+                    <a16:rowId xmlns:a16="http://schemas.microsoft.com/office/drawing/2014/main" val="10000"/>
+                  </a:ext>
+                </a:extLst>
+              </a:tr>
+            </a:tbl>
+          </a:graphicData>
+        </a:graphic>
+      </p:graphicFrame>
+      <p:grpSp>
+        <p:nvGrpSpPr>
+          <p:cNvPr id="40" name="Group 39"/>
+          <p:cNvGrpSpPr/>
+          <p:nvPr/>
+        </p:nvGrpSpPr>
+        <p:grpSpPr>
+          <a:xfrm>
+            <a:off x="2446119" y="1859412"/>
+            <a:ext cx="1692195" cy="553010"/>
+            <a:chOff x="2446119" y="1730820"/>
+            <a:chExt cx="1692195" cy="553010"/>
+          </a:xfrm>
+        </p:grpSpPr>
+        <p:sp>
+          <p:nvSpPr>
+            <p:cNvPr id="13" name="TextBox 12"/>
+            <p:cNvSpPr txBox="1"/>
+            <p:nvPr/>
+          </p:nvSpPr>
+          <p:spPr>
+            <a:xfrm>
+              <a:off x="2446119" y="1730820"/>
+              <a:ext cx="1692195" cy="369332"/>
+            </a:xfrm>
+            <a:prstGeom prst="rect">
+              <a:avLst/>
+            </a:prstGeom>
+            <a:noFill/>
+          </p:spPr>
+          <p:txBody>
+            <a:bodyPr wrap="none" rtlCol="0">
+              <a:spAutoFit/>
+            </a:bodyPr>
+            <a:lstStyle/>
+            <a:p>
+              <a:r>
+                <a:rPr lang="en-US" sz="1800" b="1" dirty="0"/>
+                <a:t>Pivot Element p</a:t>
+              </a:r>
+            </a:p>
+          </p:txBody>
+        </p:sp>
+        <p:sp>
+          <p:nvSpPr>
+            <p:cNvPr id="16" name="Down Arrow 15"/>
+            <p:cNvSpPr/>
+            <p:nvPr/>
+          </p:nvSpPr>
+          <p:spPr>
+            <a:xfrm>
+              <a:off x="3150079" y="2077353"/>
+              <a:ext cx="114916" cy="206477"/>
+            </a:xfrm>
+            <a:prstGeom prst="downArrow">
+              <a:avLst/>
+            </a:prstGeom>
+          </p:spPr>
+          <p:style>
+            <a:lnRef idx="1">
+              <a:schemeClr val="accent1"/>
+            </a:lnRef>
+            <a:fillRef idx="3">
+              <a:schemeClr val="accent1"/>
+            </a:fillRef>
+            <a:effectRef idx="2">
+              <a:schemeClr val="accent1"/>
+            </a:effectRef>
+            <a:fontRef idx="minor">
+              <a:schemeClr val="lt1"/>
+            </a:fontRef>
+          </p:style>
+          <p:txBody>
+            <a:bodyPr rtlCol="0" anchor="ctr"/>
+            <a:lstStyle/>
+            <a:p>
+              <a:pPr algn="ctr"/>
+              <a:endParaRPr lang="en-US"/>
+            </a:p>
+          </p:txBody>
+        </p:sp>
+      </p:grpSp>
+      <p:cxnSp>
+        <p:nvCxnSpPr>
+          <p:cNvPr id="20" name="Straight Arrow Connector 19"/>
+          <p:cNvCxnSpPr/>
+          <p:nvPr/>
+        </p:nvCxnSpPr>
+        <p:spPr>
+          <a:xfrm>
+            <a:off x="2749568" y="3323928"/>
+            <a:ext cx="1920240" cy="0"/>
+          </a:xfrm>
+          <a:prstGeom prst="straightConnector1">
+            <a:avLst/>
+          </a:prstGeom>
+          <a:ln w="31750">
+            <a:headEnd type="triangle"/>
+            <a:tailEnd type="triangle"/>
+          </a:ln>
+        </p:spPr>
+        <p:style>
+          <a:lnRef idx="2">
+            <a:schemeClr val="accent1"/>
+          </a:lnRef>
+          <a:fillRef idx="0">
+            <a:schemeClr val="accent1"/>
+          </a:fillRef>
+          <a:effectRef idx="1">
+            <a:schemeClr val="accent1"/>
+          </a:effectRef>
+          <a:fontRef idx="minor">
+            <a:schemeClr val="tx1"/>
+          </a:fontRef>
+        </p:style>
+      </p:cxnSp>
+      <p:cxnSp>
+        <p:nvCxnSpPr>
+          <p:cNvPr id="29" name="Straight Arrow Connector 28"/>
+          <p:cNvCxnSpPr/>
+          <p:nvPr/>
+        </p:nvCxnSpPr>
+        <p:spPr>
+          <a:xfrm>
+            <a:off x="5686118" y="3323928"/>
+            <a:ext cx="1920240" cy="0"/>
+          </a:xfrm>
+          <a:prstGeom prst="straightConnector1">
+            <a:avLst/>
+          </a:prstGeom>
+          <a:ln w="31750">
+            <a:headEnd type="triangle"/>
+            <a:tailEnd type="triangle"/>
+          </a:ln>
+        </p:spPr>
+        <p:style>
+          <a:lnRef idx="2">
+            <a:schemeClr val="accent1"/>
+          </a:lnRef>
+          <a:fillRef idx="0">
+            <a:schemeClr val="accent1"/>
+          </a:fillRef>
+          <a:effectRef idx="1">
+            <a:schemeClr val="accent1"/>
+          </a:effectRef>
+          <a:fontRef idx="minor">
+            <a:schemeClr val="tx1"/>
+          </a:fontRef>
+        </p:style>
+      </p:cxnSp>
+      <p:sp>
+        <p:nvSpPr>
+          <p:cNvPr id="30" name="TextBox 29"/>
+          <p:cNvSpPr txBox="1"/>
+          <p:nvPr/>
+        </p:nvSpPr>
+        <p:spPr>
+          <a:xfrm>
+            <a:off x="3488061" y="2960562"/>
+            <a:ext cx="421910" cy="369332"/>
+          </a:xfrm>
+          <a:prstGeom prst="rect">
+            <a:avLst/>
+          </a:prstGeom>
+          <a:noFill/>
+        </p:spPr>
+        <p:txBody>
+          <a:bodyPr wrap="none" rtlCol="0">
+            <a:spAutoFit/>
+          </a:bodyPr>
+          <a:lstStyle/>
+          <a:p>
+            <a:r>
+              <a:rPr lang="en-US" sz="1800" b="1" dirty="0"/>
+              <a:t>&lt;p</a:t>
+            </a:r>
+          </a:p>
+        </p:txBody>
+      </p:sp>
+      <p:sp>
+        <p:nvSpPr>
+          <p:cNvPr id="31" name="TextBox 30"/>
+          <p:cNvSpPr txBox="1"/>
+          <p:nvPr/>
+        </p:nvSpPr>
+        <p:spPr>
+          <a:xfrm>
+            <a:off x="6435283" y="2962496"/>
+            <a:ext cx="421910" cy="369332"/>
+          </a:xfrm>
+          <a:prstGeom prst="rect">
+            <a:avLst/>
+          </a:prstGeom>
+          <a:noFill/>
+        </p:spPr>
+        <p:txBody>
+          <a:bodyPr wrap="none" rtlCol="0">
+            <a:spAutoFit/>
+          </a:bodyPr>
+          <a:lstStyle/>
+          <a:p>
+            <a:r>
+              <a:rPr lang="en-US" sz="1800" b="1" dirty="0"/>
+              <a:t>&gt;p</a:t>
+            </a:r>
+          </a:p>
+        </p:txBody>
+      </p:sp>
+      <p:cxnSp>
+        <p:nvCxnSpPr>
+          <p:cNvPr id="28" name="Straight Arrow Connector 27"/>
+          <p:cNvCxnSpPr/>
+          <p:nvPr/>
+        </p:nvCxnSpPr>
+        <p:spPr>
+          <a:xfrm flipH="1">
+            <a:off x="3724036" y="3805998"/>
+            <a:ext cx="1430383" cy="650063"/>
+          </a:xfrm>
+          <a:prstGeom prst="straightConnector1">
+            <a:avLst/>
+          </a:prstGeom>
+          <a:ln w="31750">
+            <a:tailEnd type="triangle"/>
+          </a:ln>
+        </p:spPr>
+        <p:style>
+          <a:lnRef idx="2">
+            <a:schemeClr val="accent1"/>
+          </a:lnRef>
+          <a:fillRef idx="0">
+            <a:schemeClr val="accent1"/>
+          </a:fillRef>
+          <a:effectRef idx="1">
+            <a:schemeClr val="accent1"/>
+          </a:effectRef>
+          <a:fontRef idx="minor">
+            <a:schemeClr val="tx1"/>
+          </a:fontRef>
+        </p:style>
+      </p:cxnSp>
+      <p:cxnSp>
+        <p:nvCxnSpPr>
+          <p:cNvPr id="33" name="Straight Arrow Connector 32"/>
+          <p:cNvCxnSpPr/>
+          <p:nvPr/>
+        </p:nvCxnSpPr>
+        <p:spPr>
+          <a:xfrm>
+            <a:off x="5154419" y="3794423"/>
+            <a:ext cx="1515768" cy="661638"/>
+          </a:xfrm>
+          <a:prstGeom prst="straightConnector1">
+            <a:avLst/>
+          </a:prstGeom>
+          <a:ln w="31750">
+            <a:tailEnd type="triangle"/>
+          </a:ln>
+        </p:spPr>
+        <p:style>
+          <a:lnRef idx="2">
+            <a:schemeClr val="accent1"/>
+          </a:lnRef>
+          <a:fillRef idx="0">
+            <a:schemeClr val="accent1"/>
+          </a:fillRef>
+          <a:effectRef idx="1">
+            <a:schemeClr val="accent1"/>
+          </a:effectRef>
+          <a:fontRef idx="minor">
+            <a:schemeClr val="tx1"/>
+          </a:fontRef>
+        </p:style>
+      </p:cxnSp>
+      <p:cxnSp>
+        <p:nvCxnSpPr>
+          <p:cNvPr id="35" name="Straight Arrow Connector 34"/>
+          <p:cNvCxnSpPr>
+            <a:endCxn id="11" idx="0"/>
+          </p:cNvCxnSpPr>
+          <p:nvPr/>
+        </p:nvCxnSpPr>
+        <p:spPr>
+          <a:xfrm>
+            <a:off x="3227201" y="4863876"/>
+            <a:ext cx="0" cy="650063"/>
+          </a:xfrm>
+          <a:prstGeom prst="straightConnector1">
+            <a:avLst/>
+          </a:prstGeom>
+          <a:ln w="31750">
+            <a:tailEnd type="triangle"/>
+          </a:ln>
+        </p:spPr>
+        <p:style>
+          <a:lnRef idx="2">
+            <a:schemeClr val="accent1"/>
+          </a:lnRef>
+          <a:fillRef idx="0">
+            <a:schemeClr val="accent1"/>
+          </a:fillRef>
+          <a:effectRef idx="1">
+            <a:schemeClr val="accent1"/>
+          </a:effectRef>
+          <a:fontRef idx="minor">
+            <a:schemeClr val="tx1"/>
+          </a:fontRef>
+        </p:style>
+      </p:cxnSp>
+      <p:cxnSp>
+        <p:nvCxnSpPr>
+          <p:cNvPr id="38" name="Straight Arrow Connector 37"/>
+          <p:cNvCxnSpPr/>
+          <p:nvPr/>
+        </p:nvCxnSpPr>
+        <p:spPr>
+          <a:xfrm>
+            <a:off x="6173352" y="4863875"/>
+            <a:ext cx="0" cy="650063"/>
+          </a:xfrm>
+          <a:prstGeom prst="straightConnector1">
+            <a:avLst/>
+          </a:prstGeom>
+          <a:ln w="31750">
+            <a:tailEnd type="triangle"/>
+          </a:ln>
+        </p:spPr>
+        <p:style>
+          <a:lnRef idx="2">
+            <a:schemeClr val="accent1"/>
+          </a:lnRef>
+          <a:fillRef idx="0">
+            <a:schemeClr val="accent1"/>
+          </a:fillRef>
+          <a:effectRef idx="1">
+            <a:schemeClr val="accent1"/>
+          </a:effectRef>
+          <a:fontRef idx="minor">
+            <a:schemeClr val="tx1"/>
+          </a:fontRef>
+        </p:style>
+      </p:cxnSp>
+      <p:sp>
+        <p:nvSpPr>
+          <p:cNvPr id="39" name="TextBox 38"/>
+          <p:cNvSpPr txBox="1"/>
+          <p:nvPr/>
+        </p:nvSpPr>
+        <p:spPr>
+          <a:xfrm>
+            <a:off x="9647865" y="6614042"/>
+            <a:ext cx="314510" cy="400110"/>
+          </a:xfrm>
+          <a:prstGeom prst="rect">
+            <a:avLst/>
+          </a:prstGeom>
+          <a:noFill/>
+        </p:spPr>
+        <p:txBody>
+          <a:bodyPr wrap="none" rtlCol="0">
+            <a:spAutoFit/>
+          </a:bodyPr>
+          <a:lstStyle/>
+          <a:p>
+            <a:r>
+              <a:rPr lang="en-US" dirty="0"/>
+              <a:t>8</a:t>
+            </a:r>
+          </a:p>
+        </p:txBody>
+      </p:sp>
+      <p:sp>
+        <p:nvSpPr>
+          <p:cNvPr id="41" name="TextBox 40"/>
+          <p:cNvSpPr txBox="1"/>
+          <p:nvPr/>
+        </p:nvSpPr>
+        <p:spPr>
+          <a:xfrm>
+            <a:off x="4483820" y="6190910"/>
+            <a:ext cx="1384738" cy="369332"/>
+          </a:xfrm>
+          <a:prstGeom prst="rect">
+            <a:avLst/>
+          </a:prstGeom>
+          <a:noFill/>
+        </p:spPr>
+        <p:txBody>
+          <a:bodyPr wrap="none" rtlCol="0">
+            <a:spAutoFit/>
+          </a:bodyPr>
+          <a:lstStyle/>
+          <a:p>
+            <a:r>
+              <a:rPr lang="en-US" sz="1800" b="1" dirty="0"/>
+              <a:t>Sorted Array</a:t>
+            </a:r>
+          </a:p>
+        </p:txBody>
+      </p:sp>
+    </p:spTree>
+    <p:extLst>
+      <p:ext uri="{BB962C8B-B14F-4D97-AF65-F5344CB8AC3E}">
+        <p14:creationId xmlns:p14="http://schemas.microsoft.com/office/powerpoint/2010/main" val="2324132012"/>
+      </p:ext>
+    </p:extLst>
+  </p:cSld>
+  <p:clrMapOvr>
+    <a:masterClrMapping/>
+  </p:clrMapOvr>
+</p:sld>
+</file>
+
+<file path=ppt/slides/slide23.xml><?xml version="1.0" encoding="utf-8"?>
+<p:sld xmlns:a="http://schemas.openxmlformats.org/drawingml/2006/main" xmlns:r="http://schemas.openxmlformats.org/officeDocument/2006/relationships" xmlns:p="http://schemas.openxmlformats.org/presentationml/2006/main">
+  <p:cSld>
+    <p:spTree>
+      <p:nvGrpSpPr>
+        <p:cNvPr id="1" name=""/>
+        <p:cNvGrpSpPr/>
+        <p:nvPr/>
+      </p:nvGrpSpPr>
+      <p:grpSpPr>
+        <a:xfrm>
+          <a:off x="0" y="0"/>
+          <a:ext cx="0" cy="0"/>
+          <a:chOff x="0" y="0"/>
+          <a:chExt cx="0" cy="0"/>
+        </a:xfrm>
+      </p:grpSpPr>
+      <p:sp>
+        <p:nvSpPr>
+          <p:cNvPr id="2" name="Text Placeholder 1"/>
+          <p:cNvSpPr>
+            <a:spLocks noGrp="1"/>
+          </p:cNvSpPr>
+          <p:nvPr>
+            <p:ph type="body" sz="quarter" idx="10"/>
+          </p:nvPr>
+        </p:nvSpPr>
+        <p:spPr>
+          <a:xfrm>
+            <a:off x="444500" y="301941"/>
+            <a:ext cx="9245600" cy="742950"/>
+          </a:xfrm>
+        </p:spPr>
+        <p:txBody>
+          <a:bodyPr/>
+          <a:lstStyle/>
+          <a:p>
+            <a:r>
+              <a:rPr lang="en-US" dirty="0"/>
+              <a:t>Quick Sort</a:t>
+            </a:r>
+          </a:p>
+        </p:txBody>
+      </p:sp>
+      <p:sp>
+        <p:nvSpPr>
+          <p:cNvPr id="4" name="TextBox 3"/>
+          <p:cNvSpPr txBox="1"/>
+          <p:nvPr/>
+        </p:nvSpPr>
+        <p:spPr>
+          <a:xfrm>
+            <a:off x="9647865" y="6614042"/>
+            <a:ext cx="314510" cy="400110"/>
+          </a:xfrm>
+          <a:prstGeom prst="rect">
+            <a:avLst/>
+          </a:prstGeom>
+          <a:noFill/>
+        </p:spPr>
+        <p:txBody>
+          <a:bodyPr wrap="none" rtlCol="0">
+            <a:spAutoFit/>
+          </a:bodyPr>
+          <a:lstStyle/>
+          <a:p>
+            <a:r>
+              <a:rPr lang="en-US" dirty="0"/>
+              <a:t>9</a:t>
+            </a:r>
+          </a:p>
+        </p:txBody>
+      </p:sp>
+      <p:pic>
+        <p:nvPicPr>
+          <p:cNvPr id="7" name="Picture 6">
+            <a:extLst>
+              <a:ext uri="{FF2B5EF4-FFF2-40B4-BE49-F238E27FC236}">
+                <a16:creationId xmlns:a16="http://schemas.microsoft.com/office/drawing/2014/main" id="{7C2622C8-3C77-49E3-8990-1D4012505690}"/>
+              </a:ext>
+            </a:extLst>
+          </p:cNvPr>
+          <p:cNvPicPr>
+            <a:picLocks noChangeAspect="1"/>
+          </p:cNvPicPr>
+          <p:nvPr/>
+        </p:nvPicPr>
+        <p:blipFill>
+          <a:blip r:embed="rId2"/>
+          <a:stretch>
+            <a:fillRect/>
+          </a:stretch>
+        </p:blipFill>
+        <p:spPr>
+          <a:xfrm>
+            <a:off x="2928442" y="0"/>
+            <a:ext cx="6719423" cy="7772400"/>
+          </a:xfrm>
+          <a:prstGeom prst="rect">
+            <a:avLst/>
+          </a:prstGeom>
+        </p:spPr>
+      </p:pic>
+    </p:spTree>
+    <p:extLst>
+      <p:ext uri="{BB962C8B-B14F-4D97-AF65-F5344CB8AC3E}">
+        <p14:creationId xmlns:p14="http://schemas.microsoft.com/office/powerpoint/2010/main" val="673219846"/>
       </p:ext>
     </p:extLst>
   </p:cSld>
@@ -21892,7 +22266,7 @@
           <p:cNvPr id="2" name="Text Placeholder 1">
             <a:extLst>
               <a:ext uri="{FF2B5EF4-FFF2-40B4-BE49-F238E27FC236}">
-                <a16:creationId xmlns:a16="http://schemas.microsoft.com/office/drawing/2014/main" id="{1BCA371E-6339-4C94-AD64-9C56E4D46E5D}"/>
+                <a16:creationId xmlns:a16="http://schemas.microsoft.com/office/drawing/2014/main" id="{5963D73C-4AB4-4817-8740-E8D1AFE62E01}"/>
               </a:ext>
             </a:extLst>
           </p:cNvPr>
@@ -21904,9 +22278,9 @@
           </p:nvPr>
         </p:nvSpPr>
         <p:spPr>
-          <a:xfrm>
-            <a:off x="444500" y="346750"/>
-            <a:ext cx="9245600" cy="742950"/>
+          <a:xfrm rot="5400000">
+            <a:off x="-1434832" y="2439010"/>
+            <a:ext cx="5009748" cy="501380"/>
           </a:xfrm>
         </p:spPr>
         <p:txBody>
@@ -21916,10 +22290,22 @@
             <a:r>
               <a:rPr lang="en-US" dirty="0">
                 <a:solidFill>
-                  <a:srgbClr val="002060"/>
+                  <a:srgbClr val="FF0000"/>
                 </a:solidFill>
               </a:rPr>
-              <a:t>Towers of Hanoi Problem</a:t>
+              <a:t>Recursion- C code to LC3</a:t>
+            </a:r>
+          </a:p>
+          <a:p>
+            <a:r>
+              <a:rPr lang="en-US" sz="2000" dirty="0">
+                <a:solidFill>
+                  <a:schemeClr val="tx2">
+                    <a:lumMod val="75000"/>
+                  </a:schemeClr>
+                </a:solidFill>
+              </a:rPr>
+              <a:t>(See the code factorial.asm)</a:t>
             </a:r>
           </a:p>
         </p:txBody>
@@ -21929,7 +22315,7 @@
           <p:cNvPr id="4" name="Picture 3">
             <a:extLst>
               <a:ext uri="{FF2B5EF4-FFF2-40B4-BE49-F238E27FC236}">
-                <a16:creationId xmlns:a16="http://schemas.microsoft.com/office/drawing/2014/main" id="{C544B2F6-5FE4-4EFA-BBE2-28FCFEAABB68}"/>
+                <a16:creationId xmlns:a16="http://schemas.microsoft.com/office/drawing/2014/main" id="{9F5A73B3-BE38-4AAA-AEAD-D5E61CE32BBB}"/>
               </a:ext>
             </a:extLst>
           </p:cNvPr>
@@ -21946,8 +22332,8 @@
         </p:blipFill>
         <p:spPr>
           <a:xfrm>
-            <a:off x="695122" y="1079164"/>
-            <a:ext cx="8648700" cy="5886450"/>
+            <a:off x="1921808" y="0"/>
+            <a:ext cx="8136592" cy="7772400"/>
           </a:xfrm>
           <a:prstGeom prst="rect">
             <a:avLst/>
@@ -21957,7 +22343,7 @@
     </p:spTree>
     <p:extLst>
       <p:ext uri="{BB962C8B-B14F-4D97-AF65-F5344CB8AC3E}">
-        <p14:creationId xmlns:p14="http://schemas.microsoft.com/office/powerpoint/2010/main" val="876709328"/>
+        <p14:creationId xmlns:p14="http://schemas.microsoft.com/office/powerpoint/2010/main" val="4133683002"/>
       </p:ext>
     </p:extLst>
   </p:cSld>
@@ -21989,7 +22375,7 @@
           <p:cNvPr id="2" name="Text Placeholder 1">
             <a:extLst>
               <a:ext uri="{FF2B5EF4-FFF2-40B4-BE49-F238E27FC236}">
-                <a16:creationId xmlns:a16="http://schemas.microsoft.com/office/drawing/2014/main" id="{CB8C0A80-2D6D-44CC-AA06-A5DCE22A15B3}"/>
+                <a16:creationId xmlns:a16="http://schemas.microsoft.com/office/drawing/2014/main" id="{5963D73C-4AB4-4817-8740-E8D1AFE62E01}"/>
               </a:ext>
             </a:extLst>
           </p:cNvPr>
@@ -22001,9 +22387,9 @@
           </p:nvPr>
         </p:nvSpPr>
         <p:spPr>
-          <a:xfrm>
-            <a:off x="444500" y="395389"/>
-            <a:ext cx="9245600" cy="742950"/>
+          <a:xfrm rot="5400000">
+            <a:off x="-1950396" y="2954574"/>
+            <a:ext cx="6040876" cy="501380"/>
           </a:xfrm>
         </p:spPr>
         <p:txBody>
@@ -22011,46 +22397,52 @@
           <a:lstStyle/>
           <a:p>
             <a:r>
-              <a:rPr lang="en-US" dirty="0"/>
-              <a:t>Tower of Hanoi (Animation)</a:t>
+              <a:rPr lang="en-US" dirty="0">
+                <a:solidFill>
+                  <a:srgbClr val="FF0000"/>
+                </a:solidFill>
+              </a:rPr>
+              <a:t>Recursion- C code to LC3 (cont.)</a:t>
+            </a:r>
+          </a:p>
+          <a:p>
+            <a:r>
+              <a:rPr lang="en-US" sz="2000" dirty="0">
+                <a:solidFill>
+                  <a:schemeClr val="tx2">
+                    <a:lumMod val="75000"/>
+                  </a:schemeClr>
+                </a:solidFill>
+              </a:rPr>
+              <a:t>(See the code factorial.asm)</a:t>
             </a:r>
           </a:p>
         </p:txBody>
       </p:sp>
       <p:pic>
         <p:nvPicPr>
-          <p:cNvPr id="5" name="Tower of Hanoi - 3 Disks">
-            <a:hlinkClick r:id="" action="ppaction://media"/>
+          <p:cNvPr id="3" name="Picture 2">
             <a:extLst>
               <a:ext uri="{FF2B5EF4-FFF2-40B4-BE49-F238E27FC236}">
-                <a16:creationId xmlns:a16="http://schemas.microsoft.com/office/drawing/2014/main" id="{16A40BEE-79FF-4C10-AAAD-614E570C9628}"/>
+                <a16:creationId xmlns:a16="http://schemas.microsoft.com/office/drawing/2014/main" id="{384FF758-FACB-41EF-893F-282680FDA7DB}"/>
               </a:ext>
             </a:extLst>
           </p:cNvPr>
           <p:cNvPicPr>
             <a:picLocks noChangeAspect="1"/>
           </p:cNvPicPr>
-          <p:nvPr>
-            <a:videoFile r:link="rId1"/>
-            <p:extLst>
-              <p:ext uri="{DAA4B4D4-6D71-4841-9C94-3DE7FCFB9230}">
-                <p14:media xmlns:p14="http://schemas.microsoft.com/office/powerpoint/2010/main" r:embed="rId2">
-                  <p14:trim st="2796" end="2134"/>
-                </p14:media>
-              </p:ext>
-            </p:extLst>
-          </p:nvPr>
+          <p:nvPr/>
         </p:nvPicPr>
         <p:blipFill>
-          <a:blip r:embed="rId4"/>
+          <a:blip r:embed="rId2"/>
           <a:stretch>
             <a:fillRect/>
           </a:stretch>
         </p:blipFill>
         <p:spPr>
           <a:xfrm>
-            <a:off x="1129555" y="1567301"/>
-            <a:ext cx="7434215" cy="4181746"/>
+            <a:off x="1320733" y="0"/>
+            <a:ext cx="8334375" cy="6572250"/>
           </a:xfrm>
           <a:prstGeom prst="rect">
             <a:avLst/>
@@ -22060,148 +22452,13 @@
     </p:spTree>
     <p:extLst>
       <p:ext uri="{BB962C8B-B14F-4D97-AF65-F5344CB8AC3E}">
-        <p14:creationId xmlns:p14="http://schemas.microsoft.com/office/powerpoint/2010/main" val="299918479"/>
+        <p14:creationId xmlns:p14="http://schemas.microsoft.com/office/powerpoint/2010/main" val="1022560635"/>
       </p:ext>
     </p:extLst>
   </p:cSld>
   <p:clrMapOvr>
     <a:masterClrMapping/>
   </p:clrMapOvr>
-  <p:timing>
-    <p:tnLst>
-      <p:par>
-        <p:cTn id="1" dur="indefinite" restart="never" nodeType="tmRoot">
-          <p:childTnLst>
-            <p:seq concurrent="1" nextAc="seek">
-              <p:cTn id="2" dur="indefinite" nodeType="mainSeq">
-                <p:childTnLst>
-                  <p:par>
-                    <p:cTn id="3" fill="hold">
-                      <p:stCondLst>
-                        <p:cond delay="indefinite"/>
-                      </p:stCondLst>
-                      <p:childTnLst>
-                        <p:par>
-                          <p:cTn id="4" fill="hold">
-                            <p:stCondLst>
-                              <p:cond delay="0"/>
-                            </p:stCondLst>
-                            <p:childTnLst>
-                              <p:par>
-                                <p:cTn id="5" presetID="1" presetClass="mediacall" presetSubtype="0" fill="hold" nodeType="clickEffect">
-                                  <p:stCondLst>
-                                    <p:cond delay="0"/>
-                                  </p:stCondLst>
-                                  <p:childTnLst>
-                                    <p:cmd type="call" cmd="playFrom(0.0)">
-                                      <p:cBhvr>
-                                        <p:cTn id="6" dur="1" fill="hold"/>
-                                        <p:tgtEl>
-                                          <p:spTgt spid="5"/>
-                                        </p:tgtEl>
-                                      </p:cBhvr>
-                                    </p:cmd>
-                                  </p:childTnLst>
-                                </p:cTn>
-                              </p:par>
-                            </p:childTnLst>
-                          </p:cTn>
-                        </p:par>
-                      </p:childTnLst>
-                    </p:cTn>
-                  </p:par>
-                </p:childTnLst>
-              </p:cTn>
-              <p:prevCondLst>
-                <p:cond evt="onPrev" delay="0">
-                  <p:tgtEl>
-                    <p:sldTgt/>
-                  </p:tgtEl>
-                </p:cond>
-              </p:prevCondLst>
-              <p:nextCondLst>
-                <p:cond evt="onNext" delay="0">
-                  <p:tgtEl>
-                    <p:sldTgt/>
-                  </p:tgtEl>
-                </p:cond>
-              </p:nextCondLst>
-            </p:seq>
-            <p:video>
-              <p:cMediaNode vol="80000">
-                <p:cTn id="7" fill="hold" display="0">
-                  <p:stCondLst>
-                    <p:cond delay="indefinite"/>
-                  </p:stCondLst>
-                </p:cTn>
-                <p:tgtEl>
-                  <p:spTgt spid="5"/>
-                </p:tgtEl>
-              </p:cMediaNode>
-            </p:video>
-            <p:seq concurrent="1" nextAc="seek">
-              <p:cTn id="8" restart="whenNotActive" fill="hold" evtFilter="cancelBubble" nodeType="interactiveSeq">
-                <p:stCondLst>
-                  <p:cond evt="onClick" delay="0">
-                    <p:tgtEl>
-                      <p:spTgt spid="5"/>
-                    </p:tgtEl>
-                  </p:cond>
-                </p:stCondLst>
-                <p:endSync evt="end" delay="0">
-                  <p:rtn val="all"/>
-                </p:endSync>
-                <p:childTnLst>
-                  <p:par>
-                    <p:cTn id="9" fill="hold">
-                      <p:stCondLst>
-                        <p:cond delay="0"/>
-                      </p:stCondLst>
-                      <p:childTnLst>
-                        <p:par>
-                          <p:cTn id="10" fill="hold">
-                            <p:stCondLst>
-                              <p:cond delay="0"/>
-                            </p:stCondLst>
-                            <p:childTnLst>
-                              <p:par>
-                                <p:cTn id="11" presetID="2" presetClass="mediacall" presetSubtype="0" fill="hold" nodeType="clickEffect">
-                                  <p:stCondLst>
-                                    <p:cond delay="0"/>
-                                  </p:stCondLst>
-                                  <p:childTnLst>
-                                    <p:cmd type="call" cmd="togglePause">
-                                      <p:cBhvr>
-                                        <p:cTn id="12" dur="1" fill="hold"/>
-                                        <p:tgtEl>
-                                          <p:spTgt spid="5"/>
-                                        </p:tgtEl>
-                                      </p:cBhvr>
-                                    </p:cmd>
-                                  </p:childTnLst>
-                                </p:cTn>
-                              </p:par>
-                            </p:childTnLst>
-                          </p:cTn>
-                        </p:par>
-                      </p:childTnLst>
-                    </p:cTn>
-                  </p:par>
-                </p:childTnLst>
-              </p:cTn>
-              <p:nextCondLst>
-                <p:cond evt="onClick" delay="0">
-                  <p:tgtEl>
-                    <p:spTgt spid="5"/>
-                  </p:tgtEl>
-                </p:cond>
-              </p:nextCondLst>
-            </p:seq>
-          </p:childTnLst>
-        </p:cTn>
-      </p:par>
-    </p:tnLst>
-  </p:timing>
 </p:sld>
 </file>
 
